--- a/companion-website/public/files/9. How Not to Start a Religion.pptx
+++ b/companion-website/public/files/9. How Not to Start a Religion.pptx
@@ -5,7 +5,7 @@
     <p:sldMasterId id="2147483648" r:id="rId1"/>
   </p:sldMasterIdLst>
   <p:notesMasterIdLst>
-    <p:notesMasterId r:id="rId8"/>
+    <p:notesMasterId r:id="rId11"/>
   </p:notesMasterIdLst>
   <p:sldIdLst>
     <p:sldId id="275" r:id="rId2"/>
@@ -13,7 +13,10 @@
     <p:sldId id="439" r:id="rId4"/>
     <p:sldId id="440" r:id="rId5"/>
     <p:sldId id="441" r:id="rId6"/>
-    <p:sldId id="442" r:id="rId7"/>
+    <p:sldId id="453" r:id="rId7"/>
+    <p:sldId id="454" r:id="rId8"/>
+    <p:sldId id="456" r:id="rId9"/>
+    <p:sldId id="442" r:id="rId10"/>
   </p:sldIdLst>
   <p:sldSz cx="9144000" cy="6858000" type="screen4x3"/>
   <p:notesSz cx="6858000" cy="9144000"/>
@@ -213,7 +216,7 @@
           <a:p>
             <a:fld id="{8F7EB338-8BB0-B64B-9F79-C87EA24D723F}" type="datetimeFigureOut">
               <a:rPr lang="en-US" smtClean="0"/>
-              <a:t>8/26/20</a:t>
+              <a:t>11/2/2020</a:t>
             </a:fld>
             <a:endParaRPr lang="en-US"/>
           </a:p>
@@ -664,7 +667,7 @@
             <a:fld id="{DBE77699-C466-4996-ADED-71C8160E04A2}" type="datetimeFigureOut">
               <a:rPr lang="en-US" smtClean="0"/>
               <a:pPr/>
-              <a:t>8/26/20</a:t>
+              <a:t>11/2/2020</a:t>
             </a:fld>
             <a:endParaRPr lang="en-US"/>
           </a:p>
@@ -829,7 +832,7 @@
             <a:fld id="{DBE77699-C466-4996-ADED-71C8160E04A2}" type="datetimeFigureOut">
               <a:rPr lang="en-US" smtClean="0"/>
               <a:pPr/>
-              <a:t>8/26/20</a:t>
+              <a:t>11/2/2020</a:t>
             </a:fld>
             <a:endParaRPr lang="en-US"/>
           </a:p>
@@ -1004,7 +1007,7 @@
             <a:fld id="{DBE77699-C466-4996-ADED-71C8160E04A2}" type="datetimeFigureOut">
               <a:rPr lang="en-US" smtClean="0"/>
               <a:pPr/>
-              <a:t>8/26/20</a:t>
+              <a:t>11/2/2020</a:t>
             </a:fld>
             <a:endParaRPr lang="en-US"/>
           </a:p>
@@ -1123,7 +1126,7 @@
             <a:fld id="{DBE77699-C466-4996-ADED-71C8160E04A2}" type="datetimeFigureOut">
               <a:rPr lang="en-US" smtClean="0"/>
               <a:pPr/>
-              <a:t>8/26/20</a:t>
+              <a:t>11/2/2020</a:t>
             </a:fld>
             <a:endParaRPr lang="en-US"/>
           </a:p>
@@ -1531,7 +1534,7 @@
             <a:fld id="{DBE77699-C466-4996-ADED-71C8160E04A2}" type="datetimeFigureOut">
               <a:rPr lang="en-US" smtClean="0"/>
               <a:pPr/>
-              <a:t>8/26/20</a:t>
+              <a:t>11/2/2020</a:t>
             </a:fld>
             <a:endParaRPr lang="en-US"/>
           </a:p>
@@ -1773,7 +1776,7 @@
             <a:fld id="{DBE77699-C466-4996-ADED-71C8160E04A2}" type="datetimeFigureOut">
               <a:rPr lang="en-US" smtClean="0"/>
               <a:pPr/>
-              <a:t>8/26/20</a:t>
+              <a:t>11/2/2020</a:t>
             </a:fld>
             <a:endParaRPr lang="en-US"/>
           </a:p>
@@ -2055,7 +2058,7 @@
             <a:fld id="{DBE77699-C466-4996-ADED-71C8160E04A2}" type="datetimeFigureOut">
               <a:rPr lang="en-US" smtClean="0"/>
               <a:pPr/>
-              <a:t>8/26/20</a:t>
+              <a:t>11/2/2020</a:t>
             </a:fld>
             <a:endParaRPr lang="en-US"/>
           </a:p>
@@ -2471,7 +2474,7 @@
             <a:fld id="{DBE77699-C466-4996-ADED-71C8160E04A2}" type="datetimeFigureOut">
               <a:rPr lang="en-US" smtClean="0"/>
               <a:pPr/>
-              <a:t>8/26/20</a:t>
+              <a:t>11/2/2020</a:t>
             </a:fld>
             <a:endParaRPr lang="en-US"/>
           </a:p>
@@ -2585,7 +2588,7 @@
             <a:fld id="{DBE77699-C466-4996-ADED-71C8160E04A2}" type="datetimeFigureOut">
               <a:rPr lang="en-US" smtClean="0"/>
               <a:pPr/>
-              <a:t>8/26/20</a:t>
+              <a:t>11/2/2020</a:t>
             </a:fld>
             <a:endParaRPr lang="en-US"/>
           </a:p>
@@ -2677,7 +2680,7 @@
             <a:fld id="{DBE77699-C466-4996-ADED-71C8160E04A2}" type="datetimeFigureOut">
               <a:rPr lang="en-US" smtClean="0"/>
               <a:pPr/>
-              <a:t>8/26/20</a:t>
+              <a:t>11/2/2020</a:t>
             </a:fld>
             <a:endParaRPr lang="en-US"/>
           </a:p>
@@ -2949,7 +2952,7 @@
             <a:fld id="{DBE77699-C466-4996-ADED-71C8160E04A2}" type="datetimeFigureOut">
               <a:rPr lang="en-US" smtClean="0"/>
               <a:pPr/>
-              <a:t>8/26/20</a:t>
+              <a:t>11/2/2020</a:t>
             </a:fld>
             <a:endParaRPr lang="en-US"/>
           </a:p>
@@ -3198,7 +3201,7 @@
             <a:fld id="{DBE77699-C466-4996-ADED-71C8160E04A2}" type="datetimeFigureOut">
               <a:rPr lang="en-US" smtClean="0"/>
               <a:pPr/>
-              <a:t>8/26/20</a:t>
+              <a:t>11/2/2020</a:t>
             </a:fld>
             <a:endParaRPr lang="en-US"/>
           </a:p>
@@ -3409,7 +3412,7 @@
             <a:fld id="{DBE77699-C466-4996-ADED-71C8160E04A2}" type="datetimeFigureOut">
               <a:rPr lang="en-US" smtClean="0"/>
               <a:pPr/>
-              <a:t>8/26/20</a:t>
+              <a:t>11/2/2020</a:t>
             </a:fld>
             <a:endParaRPr lang="en-US"/>
           </a:p>
@@ -4717,7 +4720,7 @@
           <a:p>
             <a:r>
               <a:rPr lang="en-US" dirty="0"/>
-              <a:t>Document critics’ responses to the church that made it difficult for Christians</a:t>
+              <a:t>In what ways did the Gospel differ from the expectations and traditions within the first century?</a:t>
             </a:r>
           </a:p>
         </p:txBody>
@@ -4793,7 +4796,7 @@
           <a:p>
             <a:r>
               <a:rPr lang="en-US" dirty="0"/>
-              <a:t>Detail how crucifixion was viewed by Jews and Gentiles in the first century</a:t>
+              <a:t>Document critics’ responses to the church that made it difficult for Christians</a:t>
             </a:r>
           </a:p>
         </p:txBody>
@@ -4869,7 +4872,7 @@
           <a:p>
             <a:r>
               <a:rPr lang="en-US" dirty="0"/>
-              <a:t>What facts of the Gospel would have been embarrassing in the first century?</a:t>
+              <a:t>What do these say about how women were viewed in the first century?</a:t>
             </a:r>
           </a:p>
         </p:txBody>
@@ -4926,6 +4929,1871 @@
           <a:chExt cx="0" cy="0"/>
         </a:xfrm>
       </p:grpSpPr>
+      <p:pic>
+        <p:nvPicPr>
+          <p:cNvPr id="12" name="Picture 2">
+            <a:extLst>
+              <a:ext uri="{FF2B5EF4-FFF2-40B4-BE49-F238E27FC236}">
+                <a16:creationId xmlns:a16="http://schemas.microsoft.com/office/drawing/2014/main" id="{7F3A231B-5D70-D046-B1D4-165C06312D6D}"/>
+              </a:ext>
+            </a:extLst>
+          </p:cNvPr>
+          <p:cNvPicPr>
+            <a:picLocks noChangeAspect="1" noChangeArrowheads="1"/>
+          </p:cNvPicPr>
+          <p:nvPr/>
+        </p:nvPicPr>
+        <p:blipFill rotWithShape="1">
+          <a:blip r:embed="rId2" cstate="print">
+            <a:extLst>
+              <a:ext uri="{28A0092B-C50C-407E-A947-70E740481C1C}">
+                <a14:useLocalDpi xmlns:a14="http://schemas.microsoft.com/office/drawing/2010/main" val="0"/>
+              </a:ext>
+            </a:extLst>
+          </a:blip>
+          <a:srcRect l="-3278" r="23614"/>
+          <a:stretch/>
+        </p:blipFill>
+        <p:spPr bwMode="auto">
+          <a:xfrm>
+            <a:off x="2642616" y="10"/>
+            <a:ext cx="6501384" cy="6857990"/>
+          </a:xfrm>
+          <a:prstGeom prst="rect">
+            <a:avLst/>
+          </a:prstGeom>
+          <a:noFill/>
+          <a:extLst>
+            <a:ext uri="{909E8E84-426E-40DD-AFC4-6F175D3DCCD1}">
+              <a14:hiddenFill xmlns:a14="http://schemas.microsoft.com/office/drawing/2010/main">
+                <a:solidFill>
+                  <a:srgbClr val="FFFFFF"/>
+                </a:solidFill>
+              </a14:hiddenFill>
+            </a:ext>
+          </a:extLst>
+        </p:spPr>
+      </p:pic>
+      <p:sp>
+        <p:nvSpPr>
+          <p:cNvPr id="2" name="Rectangle 1">
+            <a:extLst>
+              <a:ext uri="{FF2B5EF4-FFF2-40B4-BE49-F238E27FC236}">
+                <a16:creationId xmlns:a16="http://schemas.microsoft.com/office/drawing/2014/main" id="{83930AA5-728D-884D-A826-4D923E871B31}"/>
+              </a:ext>
+            </a:extLst>
+          </p:cNvPr>
+          <p:cNvSpPr/>
+          <p:nvPr/>
+        </p:nvSpPr>
+        <p:spPr>
+          <a:xfrm>
+            <a:off x="0" y="0"/>
+            <a:ext cx="6019800" cy="6858000"/>
+          </a:xfrm>
+          <a:prstGeom prst="rect">
+            <a:avLst/>
+          </a:prstGeom>
+          <a:gradFill flip="none" rotWithShape="1">
+            <a:gsLst>
+              <a:gs pos="24000">
+                <a:srgbClr val="000000"/>
+              </a:gs>
+              <a:gs pos="50000">
+                <a:srgbClr val="000000"/>
+              </a:gs>
+              <a:gs pos="0">
+                <a:schemeClr val="bg1"/>
+              </a:gs>
+              <a:gs pos="100000">
+                <a:schemeClr val="bg1">
+                  <a:alpha val="0"/>
+                </a:schemeClr>
+              </a:gs>
+            </a:gsLst>
+            <a:lin ang="0" scaled="1"/>
+            <a:tileRect/>
+          </a:gradFill>
+          <a:ln>
+            <a:noFill/>
+          </a:ln>
+        </p:spPr>
+        <p:style>
+          <a:lnRef idx="2">
+            <a:schemeClr val="accent1">
+              <a:shade val="50000"/>
+            </a:schemeClr>
+          </a:lnRef>
+          <a:fillRef idx="1">
+            <a:schemeClr val="accent1"/>
+          </a:fillRef>
+          <a:effectRef idx="0">
+            <a:schemeClr val="accent1"/>
+          </a:effectRef>
+          <a:fontRef idx="minor">
+            <a:schemeClr val="lt1"/>
+          </a:fontRef>
+        </p:style>
+        <p:txBody>
+          <a:bodyPr rtlCol="0" anchor="ctr"/>
+          <a:lstStyle/>
+          <a:p>
+            <a:pPr algn="ctr"/>
+            <a:endParaRPr lang="en-US"/>
+          </a:p>
+        </p:txBody>
+      </p:sp>
+      <p:sp>
+        <p:nvSpPr>
+          <p:cNvPr id="5" name="Rectangle 4"/>
+          <p:cNvSpPr/>
+          <p:nvPr/>
+        </p:nvSpPr>
+        <p:spPr>
+          <a:xfrm>
+            <a:off x="381000" y="2819400"/>
+            <a:ext cx="4903487" cy="2246769"/>
+          </a:xfrm>
+          <a:prstGeom prst="rect">
+            <a:avLst/>
+          </a:prstGeom>
+          <a:noFill/>
+          <a:ln>
+            <a:noFill/>
+          </a:ln>
+          <a:effectLst/>
+        </p:spPr>
+        <p:style>
+          <a:lnRef idx="1">
+            <a:schemeClr val="accent1"/>
+          </a:lnRef>
+          <a:fillRef idx="3">
+            <a:schemeClr val="accent1"/>
+          </a:fillRef>
+          <a:effectRef idx="2">
+            <a:schemeClr val="accent1"/>
+          </a:effectRef>
+          <a:fontRef idx="minor">
+            <a:schemeClr val="lt1"/>
+          </a:fontRef>
+        </p:style>
+        <p:txBody>
+          <a:bodyPr rtlCol="0" anchor="ctr"/>
+          <a:lstStyle/>
+          <a:p>
+            <a:endParaRPr lang="en-US" dirty="0"/>
+          </a:p>
+        </p:txBody>
+      </p:sp>
+      <p:sp>
+        <p:nvSpPr>
+          <p:cNvPr id="7" name="Rectangle 6"/>
+          <p:cNvSpPr/>
+          <p:nvPr/>
+        </p:nvSpPr>
+        <p:spPr>
+          <a:xfrm rot="5400000">
+            <a:off x="2326988" y="2914599"/>
+            <a:ext cx="49492" cy="3669094"/>
+          </a:xfrm>
+          <a:prstGeom prst="rect">
+            <a:avLst/>
+          </a:prstGeom>
+          <a:solidFill>
+            <a:srgbClr val="009EC0"/>
+          </a:solidFill>
+          <a:ln>
+            <a:noFill/>
+          </a:ln>
+          <a:effectLst/>
+        </p:spPr>
+        <p:style>
+          <a:lnRef idx="1">
+            <a:schemeClr val="accent1"/>
+          </a:lnRef>
+          <a:fillRef idx="3">
+            <a:schemeClr val="accent1"/>
+          </a:fillRef>
+          <a:effectRef idx="2">
+            <a:schemeClr val="accent1"/>
+          </a:effectRef>
+          <a:fontRef idx="minor">
+            <a:schemeClr val="lt1"/>
+          </a:fontRef>
+        </p:style>
+        <p:txBody>
+          <a:bodyPr rtlCol="0" anchor="ctr"/>
+          <a:lstStyle/>
+          <a:p>
+            <a:pPr algn="ctr"/>
+            <a:endParaRPr lang="en-US"/>
+          </a:p>
+        </p:txBody>
+      </p:sp>
+      <p:sp>
+        <p:nvSpPr>
+          <p:cNvPr id="8" name="TextBox 7"/>
+          <p:cNvSpPr txBox="1"/>
+          <p:nvPr/>
+        </p:nvSpPr>
+        <p:spPr>
+          <a:xfrm>
+            <a:off x="439096" y="1382085"/>
+            <a:ext cx="3747185" cy="3108543"/>
+          </a:xfrm>
+          <a:prstGeom prst="rect">
+            <a:avLst/>
+          </a:prstGeom>
+          <a:noFill/>
+        </p:spPr>
+        <p:txBody>
+          <a:bodyPr wrap="square" rtlCol="0">
+            <a:spAutoFit/>
+          </a:bodyPr>
+          <a:lstStyle/>
+          <a:p>
+            <a:r>
+              <a:rPr lang="en-US" sz="2800" dirty="0"/>
+              <a:t>“In short, if early Christianity was a bad place for women, then apparently </a:t>
+            </a:r>
+            <a:r>
+              <a:rPr lang="en-US" sz="2800" b="1" dirty="0">
+                <a:highlight>
+                  <a:srgbClr val="C00002"/>
+                </a:highlight>
+              </a:rPr>
+              <a:t>all the women who joined the movement never got the memo</a:t>
+            </a:r>
+            <a:r>
+              <a:rPr lang="en-US" sz="2800" dirty="0"/>
+              <a:t>.”</a:t>
+            </a:r>
+            <a:endParaRPr lang="en-US" sz="2800" dirty="0">
+              <a:latin typeface="Avenir Book"/>
+              <a:cs typeface="Avenir Book"/>
+            </a:endParaRPr>
+          </a:p>
+        </p:txBody>
+      </p:sp>
+      <p:sp>
+        <p:nvSpPr>
+          <p:cNvPr id="10" name="Rectangle 9"/>
+          <p:cNvSpPr/>
+          <p:nvPr/>
+        </p:nvSpPr>
+        <p:spPr>
+          <a:xfrm>
+            <a:off x="356243" y="5045093"/>
+            <a:ext cx="4952999" cy="1458391"/>
+          </a:xfrm>
+          <a:prstGeom prst="rect">
+            <a:avLst/>
+          </a:prstGeom>
+          <a:noFill/>
+          <a:ln>
+            <a:noFill/>
+          </a:ln>
+        </p:spPr>
+        <p:style>
+          <a:lnRef idx="1">
+            <a:schemeClr val="accent1"/>
+          </a:lnRef>
+          <a:fillRef idx="3">
+            <a:schemeClr val="accent1"/>
+          </a:fillRef>
+          <a:effectRef idx="2">
+            <a:schemeClr val="accent1"/>
+          </a:effectRef>
+          <a:fontRef idx="minor">
+            <a:schemeClr val="lt1"/>
+          </a:fontRef>
+        </p:style>
+        <p:txBody>
+          <a:bodyPr lIns="164592" rtlCol="0" anchor="t"/>
+          <a:lstStyle/>
+          <a:p>
+            <a:r>
+              <a:rPr lang="en-US" sz="2000" b="1" dirty="0">
+                <a:solidFill>
+                  <a:schemeClr val="tx1"/>
+                </a:solidFill>
+              </a:rPr>
+              <a:t>MICHAEL J. KRUGER</a:t>
+            </a:r>
+            <a:br>
+              <a:rPr lang="en-US" sz="2000" b="1" dirty="0">
+                <a:solidFill>
+                  <a:schemeClr val="tx1"/>
+                </a:solidFill>
+              </a:rPr>
+            </a:br>
+            <a:r>
+              <a:rPr lang="en-US" sz="2000" i="1" dirty="0">
+                <a:solidFill>
+                  <a:schemeClr val="tx1"/>
+                </a:solidFill>
+              </a:rPr>
+              <a:t>How Early Christianity was Mocked for Welcoming Women</a:t>
+            </a:r>
+            <a:br>
+              <a:rPr lang="en-US" sz="2000" i="1" dirty="0">
+                <a:solidFill>
+                  <a:schemeClr val="tx1"/>
+                </a:solidFill>
+              </a:rPr>
+            </a:br>
+            <a:endParaRPr lang="en-US" sz="2000" i="1" dirty="0">
+              <a:solidFill>
+                <a:schemeClr val="tx1"/>
+              </a:solidFill>
+            </a:endParaRPr>
+          </a:p>
+        </p:txBody>
+      </p:sp>
+    </p:spTree>
+    <p:extLst>
+      <p:ext uri="{BB962C8B-B14F-4D97-AF65-F5344CB8AC3E}">
+        <p14:creationId xmlns:p14="http://schemas.microsoft.com/office/powerpoint/2010/main" val="2466166306"/>
+      </p:ext>
+    </p:extLst>
+  </p:cSld>
+  <p:clrMapOvr>
+    <a:masterClrMapping/>
+  </p:clrMapOvr>
+  <p:timing>
+    <p:tnLst>
+      <p:par>
+        <p:cTn id="1" dur="indefinite" restart="never" nodeType="tmRoot">
+          <p:childTnLst>
+            <p:seq concurrent="1" nextAc="seek">
+              <p:cTn id="2" dur="indefinite" nodeType="mainSeq">
+                <p:childTnLst>
+                  <p:par>
+                    <p:cTn id="3" fill="hold">
+                      <p:stCondLst>
+                        <p:cond delay="indefinite"/>
+                      </p:stCondLst>
+                      <p:childTnLst>
+                        <p:par>
+                          <p:cTn id="4" fill="hold">
+                            <p:stCondLst>
+                              <p:cond delay="0"/>
+                            </p:stCondLst>
+                            <p:childTnLst>
+                              <p:par>
+                                <p:cTn id="5" presetID="1" presetClass="entr" presetSubtype="0" fill="hold" grpId="0" nodeType="clickEffect">
+                                  <p:stCondLst>
+                                    <p:cond delay="0"/>
+                                  </p:stCondLst>
+                                  <p:childTnLst>
+                                    <p:set>
+                                      <p:cBhvr>
+                                        <p:cTn id="6" dur="1" fill="hold">
+                                          <p:stCondLst>
+                                            <p:cond delay="0"/>
+                                          </p:stCondLst>
+                                        </p:cTn>
+                                        <p:tgtEl>
+                                          <p:spTgt spid="2"/>
+                                        </p:tgtEl>
+                                        <p:attrNameLst>
+                                          <p:attrName>style.visibility</p:attrName>
+                                        </p:attrNameLst>
+                                      </p:cBhvr>
+                                      <p:to>
+                                        <p:strVal val="visible"/>
+                                      </p:to>
+                                    </p:set>
+                                  </p:childTnLst>
+                                </p:cTn>
+                              </p:par>
+                            </p:childTnLst>
+                          </p:cTn>
+                        </p:par>
+                        <p:par>
+                          <p:cTn id="7" fill="hold">
+                            <p:stCondLst>
+                              <p:cond delay="0"/>
+                            </p:stCondLst>
+                            <p:childTnLst>
+                              <p:par>
+                                <p:cTn id="8" presetID="10" presetClass="entr" presetSubtype="0" fill="hold" nodeType="afterEffect">
+                                  <p:stCondLst>
+                                    <p:cond delay="0"/>
+                                  </p:stCondLst>
+                                  <p:childTnLst>
+                                    <p:set>
+                                      <p:cBhvr>
+                                        <p:cTn id="9" dur="1" fill="hold">
+                                          <p:stCondLst>
+                                            <p:cond delay="0"/>
+                                          </p:stCondLst>
+                                        </p:cTn>
+                                        <p:tgtEl>
+                                          <p:spTgt spid="12"/>
+                                        </p:tgtEl>
+                                        <p:attrNameLst>
+                                          <p:attrName>style.visibility</p:attrName>
+                                        </p:attrNameLst>
+                                      </p:cBhvr>
+                                      <p:to>
+                                        <p:strVal val="visible"/>
+                                      </p:to>
+                                    </p:set>
+                                    <p:animEffect transition="in" filter="fade">
+                                      <p:cBhvr>
+                                        <p:cTn id="10" dur="250"/>
+                                        <p:tgtEl>
+                                          <p:spTgt spid="12"/>
+                                        </p:tgtEl>
+                                      </p:cBhvr>
+                                    </p:animEffect>
+                                  </p:childTnLst>
+                                </p:cTn>
+                              </p:par>
+                            </p:childTnLst>
+                          </p:cTn>
+                        </p:par>
+                        <p:par>
+                          <p:cTn id="11" fill="hold">
+                            <p:stCondLst>
+                              <p:cond delay="250"/>
+                            </p:stCondLst>
+                            <p:childTnLst>
+                              <p:par>
+                                <p:cTn id="12" presetID="10" presetClass="entr" presetSubtype="0" fill="hold" grpId="0" nodeType="afterEffect">
+                                  <p:stCondLst>
+                                    <p:cond delay="500"/>
+                                  </p:stCondLst>
+                                  <p:childTnLst>
+                                    <p:set>
+                                      <p:cBhvr>
+                                        <p:cTn id="13" dur="1" fill="hold">
+                                          <p:stCondLst>
+                                            <p:cond delay="0"/>
+                                          </p:stCondLst>
+                                        </p:cTn>
+                                        <p:tgtEl>
+                                          <p:spTgt spid="7"/>
+                                        </p:tgtEl>
+                                        <p:attrNameLst>
+                                          <p:attrName>style.visibility</p:attrName>
+                                        </p:attrNameLst>
+                                      </p:cBhvr>
+                                      <p:to>
+                                        <p:strVal val="visible"/>
+                                      </p:to>
+                                    </p:set>
+                                    <p:animEffect transition="in" filter="fade">
+                                      <p:cBhvr>
+                                        <p:cTn id="14" dur="250"/>
+                                        <p:tgtEl>
+                                          <p:spTgt spid="7"/>
+                                        </p:tgtEl>
+                                      </p:cBhvr>
+                                    </p:animEffect>
+                                  </p:childTnLst>
+                                </p:cTn>
+                              </p:par>
+                              <p:par>
+                                <p:cTn id="15" presetID="1" presetClass="entr" presetSubtype="0" fill="hold" grpId="1" nodeType="withEffect" nodePh="1">
+                                  <p:stCondLst>
+                                    <p:cond delay="0"/>
+                                  </p:stCondLst>
+                                  <p:endCondLst>
+                                    <p:cond evt="begin" delay="0">
+                                      <p:tn val="15"/>
+                                    </p:cond>
+                                  </p:endCondLst>
+                                  <p:childTnLst>
+                                    <p:set>
+                                      <p:cBhvr>
+                                        <p:cTn id="16" dur="1" fill="hold">
+                                          <p:stCondLst>
+                                            <p:cond delay="0"/>
+                                          </p:stCondLst>
+                                        </p:cTn>
+                                        <p:tgtEl>
+                                          <p:spTgt spid="5"/>
+                                        </p:tgtEl>
+                                        <p:attrNameLst>
+                                          <p:attrName>style.visibility</p:attrName>
+                                        </p:attrNameLst>
+                                      </p:cBhvr>
+                                      <p:to>
+                                        <p:strVal val="visible"/>
+                                      </p:to>
+                                    </p:set>
+                                  </p:childTnLst>
+                                </p:cTn>
+                              </p:par>
+                            </p:childTnLst>
+                          </p:cTn>
+                        </p:par>
+                        <p:par>
+                          <p:cTn id="17" fill="hold">
+                            <p:stCondLst>
+                              <p:cond delay="1000"/>
+                            </p:stCondLst>
+                            <p:childTnLst>
+                              <p:par>
+                                <p:cTn id="18" presetID="0" presetClass="path" presetSubtype="0" accel="50000" decel="50000" fill="hold" grpId="0" nodeType="afterEffect" nodePh="1">
+                                  <p:stCondLst>
+                                    <p:cond delay="0"/>
+                                  </p:stCondLst>
+                                  <p:endCondLst>
+                                    <p:cond evt="begin" delay="0">
+                                      <p:tn val="18"/>
+                                    </p:cond>
+                                  </p:endCondLst>
+                                  <p:childTnLst>
+                                    <p:animMotion origin="layout" path="M 0.04236 -7.40741E-7 L -8.33333E-7 -7.40741E-7 " pathEditMode="relative" rAng="0" ptsTypes="AA">
+                                      <p:cBhvr>
+                                        <p:cTn id="19" dur="300" fill="hold"/>
+                                        <p:tgtEl>
+                                          <p:spTgt spid="5"/>
+                                        </p:tgtEl>
+                                        <p:attrNameLst>
+                                          <p:attrName>ppt_x</p:attrName>
+                                          <p:attrName>ppt_y</p:attrName>
+                                        </p:attrNameLst>
+                                      </p:cBhvr>
+                                      <p:rCtr x="-2118" y="0"/>
+                                    </p:animMotion>
+                                  </p:childTnLst>
+                                </p:cTn>
+                              </p:par>
+                            </p:childTnLst>
+                          </p:cTn>
+                        </p:par>
+                        <p:par>
+                          <p:cTn id="20" fill="hold">
+                            <p:stCondLst>
+                              <p:cond delay="1300"/>
+                            </p:stCondLst>
+                            <p:childTnLst>
+                              <p:par>
+                                <p:cTn id="21" presetID="10" presetClass="entr" presetSubtype="0" fill="hold" grpId="0" nodeType="afterEffect">
+                                  <p:stCondLst>
+                                    <p:cond delay="0"/>
+                                  </p:stCondLst>
+                                  <p:childTnLst>
+                                    <p:set>
+                                      <p:cBhvr>
+                                        <p:cTn id="22" dur="1" fill="hold">
+                                          <p:stCondLst>
+                                            <p:cond delay="0"/>
+                                          </p:stCondLst>
+                                        </p:cTn>
+                                        <p:tgtEl>
+                                          <p:spTgt spid="8"/>
+                                        </p:tgtEl>
+                                        <p:attrNameLst>
+                                          <p:attrName>style.visibility</p:attrName>
+                                        </p:attrNameLst>
+                                      </p:cBhvr>
+                                      <p:to>
+                                        <p:strVal val="visible"/>
+                                      </p:to>
+                                    </p:set>
+                                    <p:animEffect transition="in" filter="fade">
+                                      <p:cBhvr>
+                                        <p:cTn id="23" dur="300"/>
+                                        <p:tgtEl>
+                                          <p:spTgt spid="8"/>
+                                        </p:tgtEl>
+                                      </p:cBhvr>
+                                    </p:animEffect>
+                                  </p:childTnLst>
+                                </p:cTn>
+                              </p:par>
+                              <p:par>
+                                <p:cTn id="24" presetID="0" presetClass="path" presetSubtype="0" accel="50000" decel="50000" fill="hold" grpId="1" nodeType="withEffect">
+                                  <p:stCondLst>
+                                    <p:cond delay="0"/>
+                                  </p:stCondLst>
+                                  <p:childTnLst>
+                                    <p:animMotion origin="layout" path="M 1.94444E-6 0.0169 L 1.94444E-6 2.22222E-6 " pathEditMode="relative" rAng="0" ptsTypes="AA">
+                                      <p:cBhvr>
+                                        <p:cTn id="25" dur="200" fill="hold"/>
+                                        <p:tgtEl>
+                                          <p:spTgt spid="8"/>
+                                        </p:tgtEl>
+                                        <p:attrNameLst>
+                                          <p:attrName>ppt_x</p:attrName>
+                                          <p:attrName>ppt_y</p:attrName>
+                                        </p:attrNameLst>
+                                      </p:cBhvr>
+                                      <p:rCtr x="0" y="-856"/>
+                                    </p:animMotion>
+                                  </p:childTnLst>
+                                </p:cTn>
+                              </p:par>
+                            </p:childTnLst>
+                          </p:cTn>
+                        </p:par>
+                        <p:par>
+                          <p:cTn id="26" fill="hold">
+                            <p:stCondLst>
+                              <p:cond delay="1600"/>
+                            </p:stCondLst>
+                            <p:childTnLst>
+                              <p:par>
+                                <p:cTn id="27" presetID="10" presetClass="entr" presetSubtype="0" fill="hold" grpId="0" nodeType="afterEffect">
+                                  <p:stCondLst>
+                                    <p:cond delay="0"/>
+                                  </p:stCondLst>
+                                  <p:childTnLst>
+                                    <p:set>
+                                      <p:cBhvr>
+                                        <p:cTn id="28" dur="1" fill="hold">
+                                          <p:stCondLst>
+                                            <p:cond delay="0"/>
+                                          </p:stCondLst>
+                                        </p:cTn>
+                                        <p:tgtEl>
+                                          <p:spTgt spid="10"/>
+                                        </p:tgtEl>
+                                        <p:attrNameLst>
+                                          <p:attrName>style.visibility</p:attrName>
+                                        </p:attrNameLst>
+                                      </p:cBhvr>
+                                      <p:to>
+                                        <p:strVal val="visible"/>
+                                      </p:to>
+                                    </p:set>
+                                    <p:animEffect transition="in" filter="fade">
+                                      <p:cBhvr>
+                                        <p:cTn id="29" dur="200"/>
+                                        <p:tgtEl>
+                                          <p:spTgt spid="10"/>
+                                        </p:tgtEl>
+                                      </p:cBhvr>
+                                    </p:animEffect>
+                                  </p:childTnLst>
+                                </p:cTn>
+                              </p:par>
+                            </p:childTnLst>
+                          </p:cTn>
+                        </p:par>
+                      </p:childTnLst>
+                    </p:cTn>
+                  </p:par>
+                </p:childTnLst>
+              </p:cTn>
+              <p:prevCondLst>
+                <p:cond evt="onPrev" delay="0">
+                  <p:tgtEl>
+                    <p:sldTgt/>
+                  </p:tgtEl>
+                </p:cond>
+              </p:prevCondLst>
+              <p:nextCondLst>
+                <p:cond evt="onNext" delay="0">
+                  <p:tgtEl>
+                    <p:sldTgt/>
+                  </p:tgtEl>
+                </p:cond>
+              </p:nextCondLst>
+            </p:seq>
+          </p:childTnLst>
+        </p:cTn>
+      </p:par>
+    </p:tnLst>
+    <p:bldLst>
+      <p:bldP spid="2" grpId="0" animBg="1"/>
+      <p:bldP spid="5" grpId="0"/>
+      <p:bldP spid="5" grpId="1"/>
+      <p:bldP spid="7" grpId="0" animBg="1"/>
+      <p:bldP spid="8" grpId="0"/>
+      <p:bldP spid="8" grpId="1"/>
+      <p:bldP spid="10" grpId="0"/>
+    </p:bldLst>
+  </p:timing>
+</p:sld>
+</file>
+
+<file path=ppt/slides/slide7.xml><?xml version="1.0" encoding="utf-8"?>
+<p:sld xmlns:a="http://schemas.openxmlformats.org/drawingml/2006/main" xmlns:r="http://schemas.openxmlformats.org/officeDocument/2006/relationships" xmlns:p="http://schemas.openxmlformats.org/presentationml/2006/main">
+  <p:cSld>
+    <p:spTree>
+      <p:nvGrpSpPr>
+        <p:cNvPr id="1" name=""/>
+        <p:cNvGrpSpPr/>
+        <p:nvPr/>
+      </p:nvGrpSpPr>
+      <p:grpSpPr>
+        <a:xfrm>
+          <a:off x="0" y="0"/>
+          <a:ext cx="0" cy="0"/>
+          <a:chOff x="0" y="0"/>
+          <a:chExt cx="0" cy="0"/>
+        </a:xfrm>
+      </p:grpSpPr>
+      <p:pic>
+        <p:nvPicPr>
+          <p:cNvPr id="12" name="Picture 2">
+            <a:extLst>
+              <a:ext uri="{FF2B5EF4-FFF2-40B4-BE49-F238E27FC236}">
+                <a16:creationId xmlns:a16="http://schemas.microsoft.com/office/drawing/2014/main" id="{7F3A231B-5D70-D046-B1D4-165C06312D6D}"/>
+              </a:ext>
+            </a:extLst>
+          </p:cNvPr>
+          <p:cNvPicPr>
+            <a:picLocks noChangeAspect="1" noChangeArrowheads="1"/>
+          </p:cNvPicPr>
+          <p:nvPr/>
+        </p:nvPicPr>
+        <p:blipFill rotWithShape="1">
+          <a:blip r:embed="rId2">
+            <a:extLst>
+              <a:ext uri="{28A0092B-C50C-407E-A947-70E740481C1C}">
+                <a14:useLocalDpi xmlns:a14="http://schemas.microsoft.com/office/drawing/2010/main" val="0"/>
+              </a:ext>
+            </a:extLst>
+          </a:blip>
+          <a:srcRect l="8439" t="-1813" r="-8439" b="26357"/>
+          <a:stretch/>
+        </p:blipFill>
+        <p:spPr bwMode="auto">
+          <a:xfrm flipH="1">
+            <a:off x="2642616" y="10"/>
+            <a:ext cx="6501384" cy="6857990"/>
+          </a:xfrm>
+          <a:prstGeom prst="rect">
+            <a:avLst/>
+          </a:prstGeom>
+          <a:noFill/>
+          <a:extLst>
+            <a:ext uri="{909E8E84-426E-40DD-AFC4-6F175D3DCCD1}">
+              <a14:hiddenFill xmlns:a14="http://schemas.microsoft.com/office/drawing/2010/main">
+                <a:solidFill>
+                  <a:srgbClr val="FFFFFF"/>
+                </a:solidFill>
+              </a14:hiddenFill>
+            </a:ext>
+          </a:extLst>
+        </p:spPr>
+      </p:pic>
+      <p:sp>
+        <p:nvSpPr>
+          <p:cNvPr id="2" name="Rectangle 1">
+            <a:extLst>
+              <a:ext uri="{FF2B5EF4-FFF2-40B4-BE49-F238E27FC236}">
+                <a16:creationId xmlns:a16="http://schemas.microsoft.com/office/drawing/2014/main" id="{83930AA5-728D-884D-A826-4D923E871B31}"/>
+              </a:ext>
+            </a:extLst>
+          </p:cNvPr>
+          <p:cNvSpPr/>
+          <p:nvPr/>
+        </p:nvSpPr>
+        <p:spPr>
+          <a:xfrm>
+            <a:off x="0" y="0"/>
+            <a:ext cx="6019800" cy="6858000"/>
+          </a:xfrm>
+          <a:prstGeom prst="rect">
+            <a:avLst/>
+          </a:prstGeom>
+          <a:gradFill flip="none" rotWithShape="1">
+            <a:gsLst>
+              <a:gs pos="24000">
+                <a:srgbClr val="000000"/>
+              </a:gs>
+              <a:gs pos="50000">
+                <a:srgbClr val="000000"/>
+              </a:gs>
+              <a:gs pos="0">
+                <a:schemeClr val="bg1"/>
+              </a:gs>
+              <a:gs pos="100000">
+                <a:schemeClr val="bg1">
+                  <a:alpha val="0"/>
+                </a:schemeClr>
+              </a:gs>
+            </a:gsLst>
+            <a:lin ang="0" scaled="1"/>
+            <a:tileRect/>
+          </a:gradFill>
+          <a:ln>
+            <a:noFill/>
+          </a:ln>
+        </p:spPr>
+        <p:style>
+          <a:lnRef idx="2">
+            <a:schemeClr val="accent1">
+              <a:shade val="50000"/>
+            </a:schemeClr>
+          </a:lnRef>
+          <a:fillRef idx="1">
+            <a:schemeClr val="accent1"/>
+          </a:fillRef>
+          <a:effectRef idx="0">
+            <a:schemeClr val="accent1"/>
+          </a:effectRef>
+          <a:fontRef idx="minor">
+            <a:schemeClr val="lt1"/>
+          </a:fontRef>
+        </p:style>
+        <p:txBody>
+          <a:bodyPr rtlCol="0" anchor="ctr"/>
+          <a:lstStyle/>
+          <a:p>
+            <a:pPr algn="ctr"/>
+            <a:endParaRPr lang="en-US"/>
+          </a:p>
+        </p:txBody>
+      </p:sp>
+      <p:sp>
+        <p:nvSpPr>
+          <p:cNvPr id="5" name="Rectangle 4"/>
+          <p:cNvSpPr/>
+          <p:nvPr/>
+        </p:nvSpPr>
+        <p:spPr>
+          <a:xfrm>
+            <a:off x="381000" y="2819400"/>
+            <a:ext cx="4903487" cy="2246769"/>
+          </a:xfrm>
+          <a:prstGeom prst="rect">
+            <a:avLst/>
+          </a:prstGeom>
+          <a:noFill/>
+          <a:ln>
+            <a:noFill/>
+          </a:ln>
+          <a:effectLst/>
+        </p:spPr>
+        <p:style>
+          <a:lnRef idx="1">
+            <a:schemeClr val="accent1"/>
+          </a:lnRef>
+          <a:fillRef idx="3">
+            <a:schemeClr val="accent1"/>
+          </a:fillRef>
+          <a:effectRef idx="2">
+            <a:schemeClr val="accent1"/>
+          </a:effectRef>
+          <a:fontRef idx="minor">
+            <a:schemeClr val="lt1"/>
+          </a:fontRef>
+        </p:style>
+        <p:txBody>
+          <a:bodyPr rtlCol="0" anchor="ctr"/>
+          <a:lstStyle/>
+          <a:p>
+            <a:endParaRPr lang="en-US" dirty="0"/>
+          </a:p>
+        </p:txBody>
+      </p:sp>
+      <p:sp>
+        <p:nvSpPr>
+          <p:cNvPr id="7" name="Rectangle 6"/>
+          <p:cNvSpPr/>
+          <p:nvPr/>
+        </p:nvSpPr>
+        <p:spPr>
+          <a:xfrm rot="5400000">
+            <a:off x="2326988" y="2914599"/>
+            <a:ext cx="49492" cy="3669094"/>
+          </a:xfrm>
+          <a:prstGeom prst="rect">
+            <a:avLst/>
+          </a:prstGeom>
+          <a:solidFill>
+            <a:srgbClr val="009EC0"/>
+          </a:solidFill>
+          <a:ln>
+            <a:noFill/>
+          </a:ln>
+          <a:effectLst/>
+        </p:spPr>
+        <p:style>
+          <a:lnRef idx="1">
+            <a:schemeClr val="accent1"/>
+          </a:lnRef>
+          <a:fillRef idx="3">
+            <a:schemeClr val="accent1"/>
+          </a:fillRef>
+          <a:effectRef idx="2">
+            <a:schemeClr val="accent1"/>
+          </a:effectRef>
+          <a:fontRef idx="minor">
+            <a:schemeClr val="lt1"/>
+          </a:fontRef>
+        </p:style>
+        <p:txBody>
+          <a:bodyPr rtlCol="0" anchor="ctr"/>
+          <a:lstStyle/>
+          <a:p>
+            <a:pPr algn="ctr"/>
+            <a:endParaRPr lang="en-US"/>
+          </a:p>
+        </p:txBody>
+      </p:sp>
+      <p:sp>
+        <p:nvSpPr>
+          <p:cNvPr id="8" name="TextBox 7"/>
+          <p:cNvSpPr txBox="1"/>
+          <p:nvPr/>
+        </p:nvSpPr>
+        <p:spPr>
+          <a:xfrm>
+            <a:off x="439096" y="1382085"/>
+            <a:ext cx="3747185" cy="1815882"/>
+          </a:xfrm>
+          <a:prstGeom prst="rect">
+            <a:avLst/>
+          </a:prstGeom>
+          <a:noFill/>
+        </p:spPr>
+        <p:txBody>
+          <a:bodyPr wrap="square" rtlCol="0">
+            <a:spAutoFit/>
+          </a:bodyPr>
+          <a:lstStyle/>
+          <a:p>
+            <a:r>
+              <a:rPr lang="en-US" sz="2800" dirty="0"/>
+              <a:t>“</a:t>
+            </a:r>
+            <a:r>
+              <a:rPr lang="en-US" sz="2800" b="1" dirty="0">
+                <a:highlight>
+                  <a:srgbClr val="C00002"/>
+                </a:highlight>
+              </a:rPr>
+              <a:t>2/3</a:t>
+            </a:r>
+            <a:r>
+              <a:rPr lang="en-US" sz="2800" dirty="0"/>
+              <a:t> of the Christianity community during the second-century was made up of women.”</a:t>
+            </a:r>
+            <a:endParaRPr lang="en-US" sz="2800" dirty="0">
+              <a:latin typeface="Avenir Book"/>
+              <a:cs typeface="Avenir Book"/>
+            </a:endParaRPr>
+          </a:p>
+        </p:txBody>
+      </p:sp>
+      <p:sp>
+        <p:nvSpPr>
+          <p:cNvPr id="10" name="Rectangle 9"/>
+          <p:cNvSpPr/>
+          <p:nvPr/>
+        </p:nvSpPr>
+        <p:spPr>
+          <a:xfrm>
+            <a:off x="356243" y="5045093"/>
+            <a:ext cx="4952999" cy="1458391"/>
+          </a:xfrm>
+          <a:prstGeom prst="rect">
+            <a:avLst/>
+          </a:prstGeom>
+          <a:noFill/>
+          <a:ln>
+            <a:noFill/>
+          </a:ln>
+        </p:spPr>
+        <p:style>
+          <a:lnRef idx="1">
+            <a:schemeClr val="accent1"/>
+          </a:lnRef>
+          <a:fillRef idx="3">
+            <a:schemeClr val="accent1"/>
+          </a:fillRef>
+          <a:effectRef idx="2">
+            <a:schemeClr val="accent1"/>
+          </a:effectRef>
+          <a:fontRef idx="minor">
+            <a:schemeClr val="lt1"/>
+          </a:fontRef>
+        </p:style>
+        <p:txBody>
+          <a:bodyPr lIns="164592" rtlCol="0" anchor="t"/>
+          <a:lstStyle/>
+          <a:p>
+            <a:r>
+              <a:rPr lang="en-US" sz="2000" b="1" dirty="0">
+                <a:solidFill>
+                  <a:schemeClr val="tx1"/>
+                </a:solidFill>
+              </a:rPr>
+              <a:t>RODNEY W. STARK</a:t>
+            </a:r>
+            <a:br>
+              <a:rPr lang="en-US" sz="2000" b="1" dirty="0">
+                <a:solidFill>
+                  <a:schemeClr val="tx1"/>
+                </a:solidFill>
+              </a:rPr>
+            </a:br>
+            <a:r>
+              <a:rPr lang="en-US" sz="2000" i="1" dirty="0">
+                <a:solidFill>
+                  <a:schemeClr val="tx1"/>
+                </a:solidFill>
+              </a:rPr>
+              <a:t>Sociology of Religion, Volume 56, Issue 3, Fall 1995, Pages 229–244</a:t>
+            </a:r>
+            <a:br>
+              <a:rPr lang="en-US" sz="2000" i="1" dirty="0">
+                <a:solidFill>
+                  <a:schemeClr val="tx1"/>
+                </a:solidFill>
+              </a:rPr>
+            </a:br>
+            <a:endParaRPr lang="en-US" sz="2000" i="1" dirty="0">
+              <a:solidFill>
+                <a:schemeClr val="tx1"/>
+              </a:solidFill>
+            </a:endParaRPr>
+          </a:p>
+        </p:txBody>
+      </p:sp>
+    </p:spTree>
+    <p:extLst>
+      <p:ext uri="{BB962C8B-B14F-4D97-AF65-F5344CB8AC3E}">
+        <p14:creationId xmlns:p14="http://schemas.microsoft.com/office/powerpoint/2010/main" val="4238085524"/>
+      </p:ext>
+    </p:extLst>
+  </p:cSld>
+  <p:clrMapOvr>
+    <a:masterClrMapping/>
+  </p:clrMapOvr>
+  <p:timing>
+    <p:tnLst>
+      <p:par>
+        <p:cTn id="1" dur="indefinite" restart="never" nodeType="tmRoot">
+          <p:childTnLst>
+            <p:seq concurrent="1" nextAc="seek">
+              <p:cTn id="2" dur="indefinite" nodeType="mainSeq">
+                <p:childTnLst>
+                  <p:par>
+                    <p:cTn id="3" fill="hold">
+                      <p:stCondLst>
+                        <p:cond delay="indefinite"/>
+                      </p:stCondLst>
+                      <p:childTnLst>
+                        <p:par>
+                          <p:cTn id="4" fill="hold">
+                            <p:stCondLst>
+                              <p:cond delay="0"/>
+                            </p:stCondLst>
+                            <p:childTnLst>
+                              <p:par>
+                                <p:cTn id="5" presetID="1" presetClass="entr" presetSubtype="0" fill="hold" grpId="0" nodeType="clickEffect">
+                                  <p:stCondLst>
+                                    <p:cond delay="0"/>
+                                  </p:stCondLst>
+                                  <p:childTnLst>
+                                    <p:set>
+                                      <p:cBhvr>
+                                        <p:cTn id="6" dur="1" fill="hold">
+                                          <p:stCondLst>
+                                            <p:cond delay="0"/>
+                                          </p:stCondLst>
+                                        </p:cTn>
+                                        <p:tgtEl>
+                                          <p:spTgt spid="2"/>
+                                        </p:tgtEl>
+                                        <p:attrNameLst>
+                                          <p:attrName>style.visibility</p:attrName>
+                                        </p:attrNameLst>
+                                      </p:cBhvr>
+                                      <p:to>
+                                        <p:strVal val="visible"/>
+                                      </p:to>
+                                    </p:set>
+                                  </p:childTnLst>
+                                </p:cTn>
+                              </p:par>
+                            </p:childTnLst>
+                          </p:cTn>
+                        </p:par>
+                        <p:par>
+                          <p:cTn id="7" fill="hold">
+                            <p:stCondLst>
+                              <p:cond delay="0"/>
+                            </p:stCondLst>
+                            <p:childTnLst>
+                              <p:par>
+                                <p:cTn id="8" presetID="10" presetClass="entr" presetSubtype="0" fill="hold" nodeType="afterEffect">
+                                  <p:stCondLst>
+                                    <p:cond delay="0"/>
+                                  </p:stCondLst>
+                                  <p:childTnLst>
+                                    <p:set>
+                                      <p:cBhvr>
+                                        <p:cTn id="9" dur="1" fill="hold">
+                                          <p:stCondLst>
+                                            <p:cond delay="0"/>
+                                          </p:stCondLst>
+                                        </p:cTn>
+                                        <p:tgtEl>
+                                          <p:spTgt spid="12"/>
+                                        </p:tgtEl>
+                                        <p:attrNameLst>
+                                          <p:attrName>style.visibility</p:attrName>
+                                        </p:attrNameLst>
+                                      </p:cBhvr>
+                                      <p:to>
+                                        <p:strVal val="visible"/>
+                                      </p:to>
+                                    </p:set>
+                                    <p:animEffect transition="in" filter="fade">
+                                      <p:cBhvr>
+                                        <p:cTn id="10" dur="250"/>
+                                        <p:tgtEl>
+                                          <p:spTgt spid="12"/>
+                                        </p:tgtEl>
+                                      </p:cBhvr>
+                                    </p:animEffect>
+                                  </p:childTnLst>
+                                </p:cTn>
+                              </p:par>
+                            </p:childTnLst>
+                          </p:cTn>
+                        </p:par>
+                        <p:par>
+                          <p:cTn id="11" fill="hold">
+                            <p:stCondLst>
+                              <p:cond delay="250"/>
+                            </p:stCondLst>
+                            <p:childTnLst>
+                              <p:par>
+                                <p:cTn id="12" presetID="10" presetClass="entr" presetSubtype="0" fill="hold" grpId="0" nodeType="afterEffect">
+                                  <p:stCondLst>
+                                    <p:cond delay="500"/>
+                                  </p:stCondLst>
+                                  <p:childTnLst>
+                                    <p:set>
+                                      <p:cBhvr>
+                                        <p:cTn id="13" dur="1" fill="hold">
+                                          <p:stCondLst>
+                                            <p:cond delay="0"/>
+                                          </p:stCondLst>
+                                        </p:cTn>
+                                        <p:tgtEl>
+                                          <p:spTgt spid="7"/>
+                                        </p:tgtEl>
+                                        <p:attrNameLst>
+                                          <p:attrName>style.visibility</p:attrName>
+                                        </p:attrNameLst>
+                                      </p:cBhvr>
+                                      <p:to>
+                                        <p:strVal val="visible"/>
+                                      </p:to>
+                                    </p:set>
+                                    <p:animEffect transition="in" filter="fade">
+                                      <p:cBhvr>
+                                        <p:cTn id="14" dur="250"/>
+                                        <p:tgtEl>
+                                          <p:spTgt spid="7"/>
+                                        </p:tgtEl>
+                                      </p:cBhvr>
+                                    </p:animEffect>
+                                  </p:childTnLst>
+                                </p:cTn>
+                              </p:par>
+                              <p:par>
+                                <p:cTn id="15" presetID="1" presetClass="entr" presetSubtype="0" fill="hold" grpId="1" nodeType="withEffect" nodePh="1">
+                                  <p:stCondLst>
+                                    <p:cond delay="0"/>
+                                  </p:stCondLst>
+                                  <p:endCondLst>
+                                    <p:cond evt="begin" delay="0">
+                                      <p:tn val="15"/>
+                                    </p:cond>
+                                  </p:endCondLst>
+                                  <p:childTnLst>
+                                    <p:set>
+                                      <p:cBhvr>
+                                        <p:cTn id="16" dur="1" fill="hold">
+                                          <p:stCondLst>
+                                            <p:cond delay="0"/>
+                                          </p:stCondLst>
+                                        </p:cTn>
+                                        <p:tgtEl>
+                                          <p:spTgt spid="5"/>
+                                        </p:tgtEl>
+                                        <p:attrNameLst>
+                                          <p:attrName>style.visibility</p:attrName>
+                                        </p:attrNameLst>
+                                      </p:cBhvr>
+                                      <p:to>
+                                        <p:strVal val="visible"/>
+                                      </p:to>
+                                    </p:set>
+                                  </p:childTnLst>
+                                </p:cTn>
+                              </p:par>
+                            </p:childTnLst>
+                          </p:cTn>
+                        </p:par>
+                        <p:par>
+                          <p:cTn id="17" fill="hold">
+                            <p:stCondLst>
+                              <p:cond delay="1000"/>
+                            </p:stCondLst>
+                            <p:childTnLst>
+                              <p:par>
+                                <p:cTn id="18" presetID="0" presetClass="path" presetSubtype="0" accel="50000" decel="50000" fill="hold" grpId="0" nodeType="afterEffect" nodePh="1">
+                                  <p:stCondLst>
+                                    <p:cond delay="0"/>
+                                  </p:stCondLst>
+                                  <p:endCondLst>
+                                    <p:cond evt="begin" delay="0">
+                                      <p:tn val="18"/>
+                                    </p:cond>
+                                  </p:endCondLst>
+                                  <p:childTnLst>
+                                    <p:animMotion origin="layout" path="M 0.04236 -7.40741E-7 L -8.33333E-7 -7.40741E-7 " pathEditMode="relative" rAng="0" ptsTypes="AA">
+                                      <p:cBhvr>
+                                        <p:cTn id="19" dur="300" fill="hold"/>
+                                        <p:tgtEl>
+                                          <p:spTgt spid="5"/>
+                                        </p:tgtEl>
+                                        <p:attrNameLst>
+                                          <p:attrName>ppt_x</p:attrName>
+                                          <p:attrName>ppt_y</p:attrName>
+                                        </p:attrNameLst>
+                                      </p:cBhvr>
+                                      <p:rCtr x="-2118" y="0"/>
+                                    </p:animMotion>
+                                  </p:childTnLst>
+                                </p:cTn>
+                              </p:par>
+                            </p:childTnLst>
+                          </p:cTn>
+                        </p:par>
+                        <p:par>
+                          <p:cTn id="20" fill="hold">
+                            <p:stCondLst>
+                              <p:cond delay="1300"/>
+                            </p:stCondLst>
+                            <p:childTnLst>
+                              <p:par>
+                                <p:cTn id="21" presetID="10" presetClass="entr" presetSubtype="0" fill="hold" grpId="0" nodeType="afterEffect">
+                                  <p:stCondLst>
+                                    <p:cond delay="0"/>
+                                  </p:stCondLst>
+                                  <p:childTnLst>
+                                    <p:set>
+                                      <p:cBhvr>
+                                        <p:cTn id="22" dur="1" fill="hold">
+                                          <p:stCondLst>
+                                            <p:cond delay="0"/>
+                                          </p:stCondLst>
+                                        </p:cTn>
+                                        <p:tgtEl>
+                                          <p:spTgt spid="8"/>
+                                        </p:tgtEl>
+                                        <p:attrNameLst>
+                                          <p:attrName>style.visibility</p:attrName>
+                                        </p:attrNameLst>
+                                      </p:cBhvr>
+                                      <p:to>
+                                        <p:strVal val="visible"/>
+                                      </p:to>
+                                    </p:set>
+                                    <p:animEffect transition="in" filter="fade">
+                                      <p:cBhvr>
+                                        <p:cTn id="23" dur="300"/>
+                                        <p:tgtEl>
+                                          <p:spTgt spid="8"/>
+                                        </p:tgtEl>
+                                      </p:cBhvr>
+                                    </p:animEffect>
+                                  </p:childTnLst>
+                                </p:cTn>
+                              </p:par>
+                              <p:par>
+                                <p:cTn id="24" presetID="0" presetClass="path" presetSubtype="0" accel="50000" decel="50000" fill="hold" grpId="1" nodeType="withEffect">
+                                  <p:stCondLst>
+                                    <p:cond delay="0"/>
+                                  </p:stCondLst>
+                                  <p:childTnLst>
+                                    <p:animMotion origin="layout" path="M 1.94444E-6 0.0169 L 1.94444E-6 2.22222E-6 " pathEditMode="relative" rAng="0" ptsTypes="AA">
+                                      <p:cBhvr>
+                                        <p:cTn id="25" dur="200" fill="hold"/>
+                                        <p:tgtEl>
+                                          <p:spTgt spid="8"/>
+                                        </p:tgtEl>
+                                        <p:attrNameLst>
+                                          <p:attrName>ppt_x</p:attrName>
+                                          <p:attrName>ppt_y</p:attrName>
+                                        </p:attrNameLst>
+                                      </p:cBhvr>
+                                      <p:rCtr x="0" y="-856"/>
+                                    </p:animMotion>
+                                  </p:childTnLst>
+                                </p:cTn>
+                              </p:par>
+                            </p:childTnLst>
+                          </p:cTn>
+                        </p:par>
+                        <p:par>
+                          <p:cTn id="26" fill="hold">
+                            <p:stCondLst>
+                              <p:cond delay="1600"/>
+                            </p:stCondLst>
+                            <p:childTnLst>
+                              <p:par>
+                                <p:cTn id="27" presetID="10" presetClass="entr" presetSubtype="0" fill="hold" grpId="0" nodeType="afterEffect">
+                                  <p:stCondLst>
+                                    <p:cond delay="0"/>
+                                  </p:stCondLst>
+                                  <p:childTnLst>
+                                    <p:set>
+                                      <p:cBhvr>
+                                        <p:cTn id="28" dur="1" fill="hold">
+                                          <p:stCondLst>
+                                            <p:cond delay="0"/>
+                                          </p:stCondLst>
+                                        </p:cTn>
+                                        <p:tgtEl>
+                                          <p:spTgt spid="10"/>
+                                        </p:tgtEl>
+                                        <p:attrNameLst>
+                                          <p:attrName>style.visibility</p:attrName>
+                                        </p:attrNameLst>
+                                      </p:cBhvr>
+                                      <p:to>
+                                        <p:strVal val="visible"/>
+                                      </p:to>
+                                    </p:set>
+                                    <p:animEffect transition="in" filter="fade">
+                                      <p:cBhvr>
+                                        <p:cTn id="29" dur="200"/>
+                                        <p:tgtEl>
+                                          <p:spTgt spid="10"/>
+                                        </p:tgtEl>
+                                      </p:cBhvr>
+                                    </p:animEffect>
+                                  </p:childTnLst>
+                                </p:cTn>
+                              </p:par>
+                            </p:childTnLst>
+                          </p:cTn>
+                        </p:par>
+                      </p:childTnLst>
+                    </p:cTn>
+                  </p:par>
+                </p:childTnLst>
+              </p:cTn>
+              <p:prevCondLst>
+                <p:cond evt="onPrev" delay="0">
+                  <p:tgtEl>
+                    <p:sldTgt/>
+                  </p:tgtEl>
+                </p:cond>
+              </p:prevCondLst>
+              <p:nextCondLst>
+                <p:cond evt="onNext" delay="0">
+                  <p:tgtEl>
+                    <p:sldTgt/>
+                  </p:tgtEl>
+                </p:cond>
+              </p:nextCondLst>
+            </p:seq>
+          </p:childTnLst>
+        </p:cTn>
+      </p:par>
+    </p:tnLst>
+    <p:bldLst>
+      <p:bldP spid="2" grpId="0" animBg="1"/>
+      <p:bldP spid="5" grpId="0"/>
+      <p:bldP spid="5" grpId="1"/>
+      <p:bldP spid="7" grpId="0" animBg="1"/>
+      <p:bldP spid="8" grpId="0"/>
+      <p:bldP spid="8" grpId="1"/>
+      <p:bldP spid="10" grpId="0"/>
+    </p:bldLst>
+  </p:timing>
+</p:sld>
+</file>
+
+<file path=ppt/slides/slide8.xml><?xml version="1.0" encoding="utf-8"?>
+<p:sld xmlns:a="http://schemas.openxmlformats.org/drawingml/2006/main" xmlns:r="http://schemas.openxmlformats.org/officeDocument/2006/relationships" xmlns:p="http://schemas.openxmlformats.org/presentationml/2006/main">
+  <p:cSld>
+    <p:spTree>
+      <p:nvGrpSpPr>
+        <p:cNvPr id="1" name=""/>
+        <p:cNvGrpSpPr/>
+        <p:nvPr/>
+      </p:nvGrpSpPr>
+      <p:grpSpPr>
+        <a:xfrm>
+          <a:off x="0" y="0"/>
+          <a:ext cx="0" cy="0"/>
+          <a:chOff x="0" y="0"/>
+          <a:chExt cx="0" cy="0"/>
+        </a:xfrm>
+      </p:grpSpPr>
+      <p:pic>
+        <p:nvPicPr>
+          <p:cNvPr id="12" name="Picture 2">
+            <a:extLst>
+              <a:ext uri="{FF2B5EF4-FFF2-40B4-BE49-F238E27FC236}">
+                <a16:creationId xmlns:a16="http://schemas.microsoft.com/office/drawing/2014/main" id="{7F3A231B-5D70-D046-B1D4-165C06312D6D}"/>
+              </a:ext>
+            </a:extLst>
+          </p:cNvPr>
+          <p:cNvPicPr>
+            <a:picLocks noChangeAspect="1" noChangeArrowheads="1"/>
+          </p:cNvPicPr>
+          <p:nvPr/>
+        </p:nvPicPr>
+        <p:blipFill rotWithShape="1">
+          <a:blip r:embed="rId2">
+            <a:extLst>
+              <a:ext uri="{28A0092B-C50C-407E-A947-70E740481C1C}">
+                <a14:useLocalDpi xmlns:a14="http://schemas.microsoft.com/office/drawing/2010/main" val="0"/>
+              </a:ext>
+            </a:extLst>
+          </a:blip>
+          <a:srcRect l="8439" t="-1813" r="-8439" b="26357"/>
+          <a:stretch/>
+        </p:blipFill>
+        <p:spPr bwMode="auto">
+          <a:xfrm flipH="1">
+            <a:off x="2642616" y="10"/>
+            <a:ext cx="6501384" cy="6857990"/>
+          </a:xfrm>
+          <a:prstGeom prst="rect">
+            <a:avLst/>
+          </a:prstGeom>
+          <a:noFill/>
+          <a:extLst>
+            <a:ext uri="{909E8E84-426E-40DD-AFC4-6F175D3DCCD1}">
+              <a14:hiddenFill xmlns:a14="http://schemas.microsoft.com/office/drawing/2010/main">
+                <a:solidFill>
+                  <a:srgbClr val="FFFFFF"/>
+                </a:solidFill>
+              </a14:hiddenFill>
+            </a:ext>
+          </a:extLst>
+        </p:spPr>
+      </p:pic>
+      <p:sp>
+        <p:nvSpPr>
+          <p:cNvPr id="2" name="Rectangle 1">
+            <a:extLst>
+              <a:ext uri="{FF2B5EF4-FFF2-40B4-BE49-F238E27FC236}">
+                <a16:creationId xmlns:a16="http://schemas.microsoft.com/office/drawing/2014/main" id="{83930AA5-728D-884D-A826-4D923E871B31}"/>
+              </a:ext>
+            </a:extLst>
+          </p:cNvPr>
+          <p:cNvSpPr/>
+          <p:nvPr/>
+        </p:nvSpPr>
+        <p:spPr>
+          <a:xfrm>
+            <a:off x="0" y="0"/>
+            <a:ext cx="6019800" cy="6858000"/>
+          </a:xfrm>
+          <a:prstGeom prst="rect">
+            <a:avLst/>
+          </a:prstGeom>
+          <a:gradFill flip="none" rotWithShape="1">
+            <a:gsLst>
+              <a:gs pos="24000">
+                <a:srgbClr val="000000"/>
+              </a:gs>
+              <a:gs pos="50000">
+                <a:srgbClr val="000000"/>
+              </a:gs>
+              <a:gs pos="0">
+                <a:schemeClr val="bg1"/>
+              </a:gs>
+              <a:gs pos="100000">
+                <a:schemeClr val="bg1">
+                  <a:alpha val="0"/>
+                </a:schemeClr>
+              </a:gs>
+            </a:gsLst>
+            <a:lin ang="0" scaled="1"/>
+            <a:tileRect/>
+          </a:gradFill>
+          <a:ln>
+            <a:noFill/>
+          </a:ln>
+        </p:spPr>
+        <p:style>
+          <a:lnRef idx="2">
+            <a:schemeClr val="accent1">
+              <a:shade val="50000"/>
+            </a:schemeClr>
+          </a:lnRef>
+          <a:fillRef idx="1">
+            <a:schemeClr val="accent1"/>
+          </a:fillRef>
+          <a:effectRef idx="0">
+            <a:schemeClr val="accent1"/>
+          </a:effectRef>
+          <a:fontRef idx="minor">
+            <a:schemeClr val="lt1"/>
+          </a:fontRef>
+        </p:style>
+        <p:txBody>
+          <a:bodyPr rtlCol="0" anchor="ctr"/>
+          <a:lstStyle/>
+          <a:p>
+            <a:pPr algn="ctr"/>
+            <a:endParaRPr lang="en-US"/>
+          </a:p>
+        </p:txBody>
+      </p:sp>
+      <p:sp>
+        <p:nvSpPr>
+          <p:cNvPr id="5" name="Rectangle 4"/>
+          <p:cNvSpPr/>
+          <p:nvPr/>
+        </p:nvSpPr>
+        <p:spPr>
+          <a:xfrm>
+            <a:off x="381000" y="2819400"/>
+            <a:ext cx="4903487" cy="2246769"/>
+          </a:xfrm>
+          <a:prstGeom prst="rect">
+            <a:avLst/>
+          </a:prstGeom>
+          <a:noFill/>
+          <a:ln>
+            <a:noFill/>
+          </a:ln>
+          <a:effectLst/>
+        </p:spPr>
+        <p:style>
+          <a:lnRef idx="1">
+            <a:schemeClr val="accent1"/>
+          </a:lnRef>
+          <a:fillRef idx="3">
+            <a:schemeClr val="accent1"/>
+          </a:fillRef>
+          <a:effectRef idx="2">
+            <a:schemeClr val="accent1"/>
+          </a:effectRef>
+          <a:fontRef idx="minor">
+            <a:schemeClr val="lt1"/>
+          </a:fontRef>
+        </p:style>
+        <p:txBody>
+          <a:bodyPr rtlCol="0" anchor="ctr"/>
+          <a:lstStyle/>
+          <a:p>
+            <a:endParaRPr lang="en-US" dirty="0"/>
+          </a:p>
+        </p:txBody>
+      </p:sp>
+      <p:sp>
+        <p:nvSpPr>
+          <p:cNvPr id="7" name="Rectangle 6"/>
+          <p:cNvSpPr/>
+          <p:nvPr/>
+        </p:nvSpPr>
+        <p:spPr>
+          <a:xfrm rot="5400000">
+            <a:off x="2326988" y="2914599"/>
+            <a:ext cx="49492" cy="3669094"/>
+          </a:xfrm>
+          <a:prstGeom prst="rect">
+            <a:avLst/>
+          </a:prstGeom>
+          <a:solidFill>
+            <a:srgbClr val="009EC0"/>
+          </a:solidFill>
+          <a:ln>
+            <a:noFill/>
+          </a:ln>
+          <a:effectLst/>
+        </p:spPr>
+        <p:style>
+          <a:lnRef idx="1">
+            <a:schemeClr val="accent1"/>
+          </a:lnRef>
+          <a:fillRef idx="3">
+            <a:schemeClr val="accent1"/>
+          </a:fillRef>
+          <a:effectRef idx="2">
+            <a:schemeClr val="accent1"/>
+          </a:effectRef>
+          <a:fontRef idx="minor">
+            <a:schemeClr val="lt1"/>
+          </a:fontRef>
+        </p:style>
+        <p:txBody>
+          <a:bodyPr rtlCol="0" anchor="ctr"/>
+          <a:lstStyle/>
+          <a:p>
+            <a:pPr algn="ctr"/>
+            <a:endParaRPr lang="en-US"/>
+          </a:p>
+        </p:txBody>
+      </p:sp>
+      <p:sp>
+        <p:nvSpPr>
+          <p:cNvPr id="8" name="TextBox 7"/>
+          <p:cNvSpPr txBox="1"/>
+          <p:nvPr/>
+        </p:nvSpPr>
+        <p:spPr>
+          <a:xfrm>
+            <a:off x="439096" y="1382085"/>
+            <a:ext cx="3747185" cy="3108543"/>
+          </a:xfrm>
+          <a:prstGeom prst="rect">
+            <a:avLst/>
+          </a:prstGeom>
+          <a:noFill/>
+        </p:spPr>
+        <p:txBody>
+          <a:bodyPr wrap="square" rtlCol="0">
+            <a:spAutoFit/>
+          </a:bodyPr>
+          <a:lstStyle/>
+          <a:p>
+            <a:r>
+              <a:rPr lang="en-US" sz="2800" dirty="0"/>
+              <a:t>“This is the exact opposite of the ratio in the broader Greco-Roman world where women only made up about </a:t>
+            </a:r>
+            <a:r>
+              <a:rPr lang="en-US" sz="2800" b="1" dirty="0">
+                <a:highlight>
+                  <a:srgbClr val="C00002"/>
+                </a:highlight>
+              </a:rPr>
+              <a:t>1/3</a:t>
+            </a:r>
+            <a:r>
+              <a:rPr lang="en-US" sz="2800" dirty="0"/>
+              <a:t> of the population.”</a:t>
+            </a:r>
+            <a:endParaRPr lang="en-US" sz="2800" dirty="0">
+              <a:latin typeface="Avenir Book"/>
+              <a:cs typeface="Avenir Book"/>
+            </a:endParaRPr>
+          </a:p>
+        </p:txBody>
+      </p:sp>
+      <p:sp>
+        <p:nvSpPr>
+          <p:cNvPr id="10" name="Rectangle 9"/>
+          <p:cNvSpPr/>
+          <p:nvPr/>
+        </p:nvSpPr>
+        <p:spPr>
+          <a:xfrm>
+            <a:off x="356243" y="5045093"/>
+            <a:ext cx="4952999" cy="1458391"/>
+          </a:xfrm>
+          <a:prstGeom prst="rect">
+            <a:avLst/>
+          </a:prstGeom>
+          <a:noFill/>
+          <a:ln>
+            <a:noFill/>
+          </a:ln>
+        </p:spPr>
+        <p:style>
+          <a:lnRef idx="1">
+            <a:schemeClr val="accent1"/>
+          </a:lnRef>
+          <a:fillRef idx="3">
+            <a:schemeClr val="accent1"/>
+          </a:fillRef>
+          <a:effectRef idx="2">
+            <a:schemeClr val="accent1"/>
+          </a:effectRef>
+          <a:fontRef idx="minor">
+            <a:schemeClr val="lt1"/>
+          </a:fontRef>
+        </p:style>
+        <p:txBody>
+          <a:bodyPr lIns="164592" rtlCol="0" anchor="t"/>
+          <a:lstStyle/>
+          <a:p>
+            <a:r>
+              <a:rPr lang="en-US" sz="2000" b="1" dirty="0">
+                <a:solidFill>
+                  <a:schemeClr val="tx1"/>
+                </a:solidFill>
+              </a:rPr>
+              <a:t>RODNEY W. STARK</a:t>
+            </a:r>
+            <a:br>
+              <a:rPr lang="en-US" sz="2000" b="1" dirty="0">
+                <a:solidFill>
+                  <a:schemeClr val="tx1"/>
+                </a:solidFill>
+              </a:rPr>
+            </a:br>
+            <a:r>
+              <a:rPr lang="en-US" sz="2000" i="1" dirty="0">
+                <a:solidFill>
+                  <a:schemeClr val="tx1"/>
+                </a:solidFill>
+              </a:rPr>
+              <a:t>Sociology of Religion, Volume 56, Issue 3, Fall 1995, Pages 229–244</a:t>
+            </a:r>
+            <a:br>
+              <a:rPr lang="en-US" sz="2000" i="1" dirty="0">
+                <a:solidFill>
+                  <a:schemeClr val="tx1"/>
+                </a:solidFill>
+              </a:rPr>
+            </a:br>
+            <a:endParaRPr lang="en-US" sz="2000" i="1" dirty="0">
+              <a:solidFill>
+                <a:schemeClr val="tx1"/>
+              </a:solidFill>
+            </a:endParaRPr>
+          </a:p>
+        </p:txBody>
+      </p:sp>
+    </p:spTree>
+    <p:extLst>
+      <p:ext uri="{BB962C8B-B14F-4D97-AF65-F5344CB8AC3E}">
+        <p14:creationId xmlns:p14="http://schemas.microsoft.com/office/powerpoint/2010/main" val="3380638099"/>
+      </p:ext>
+    </p:extLst>
+  </p:cSld>
+  <p:clrMapOvr>
+    <a:masterClrMapping/>
+  </p:clrMapOvr>
+  <p:timing>
+    <p:tnLst>
+      <p:par>
+        <p:cTn id="1" dur="indefinite" restart="never" nodeType="tmRoot">
+          <p:childTnLst>
+            <p:seq concurrent="1" nextAc="seek">
+              <p:cTn id="2" dur="indefinite" nodeType="mainSeq">
+                <p:childTnLst>
+                  <p:par>
+                    <p:cTn id="3" fill="hold">
+                      <p:stCondLst>
+                        <p:cond delay="indefinite"/>
+                        <p:cond evt="onBegin" delay="0">
+                          <p:tn val="2"/>
+                        </p:cond>
+                      </p:stCondLst>
+                      <p:childTnLst>
+                        <p:par>
+                          <p:cTn id="4" fill="hold">
+                            <p:stCondLst>
+                              <p:cond delay="0"/>
+                            </p:stCondLst>
+                            <p:childTnLst>
+                              <p:par>
+                                <p:cTn id="5" presetID="10" presetClass="entr" presetSubtype="0" fill="hold" grpId="0" nodeType="afterEffect">
+                                  <p:stCondLst>
+                                    <p:cond delay="0"/>
+                                  </p:stCondLst>
+                                  <p:childTnLst>
+                                    <p:set>
+                                      <p:cBhvr>
+                                        <p:cTn id="6" dur="1" fill="hold">
+                                          <p:stCondLst>
+                                            <p:cond delay="0"/>
+                                          </p:stCondLst>
+                                        </p:cTn>
+                                        <p:tgtEl>
+                                          <p:spTgt spid="8"/>
+                                        </p:tgtEl>
+                                        <p:attrNameLst>
+                                          <p:attrName>style.visibility</p:attrName>
+                                        </p:attrNameLst>
+                                      </p:cBhvr>
+                                      <p:to>
+                                        <p:strVal val="visible"/>
+                                      </p:to>
+                                    </p:set>
+                                    <p:animEffect transition="in" filter="fade">
+                                      <p:cBhvr>
+                                        <p:cTn id="7" dur="300"/>
+                                        <p:tgtEl>
+                                          <p:spTgt spid="8"/>
+                                        </p:tgtEl>
+                                      </p:cBhvr>
+                                    </p:animEffect>
+                                  </p:childTnLst>
+                                </p:cTn>
+                              </p:par>
+                              <p:par>
+                                <p:cTn id="8" presetID="0" presetClass="path" presetSubtype="0" accel="50000" decel="50000" fill="hold" grpId="1" nodeType="withEffect">
+                                  <p:stCondLst>
+                                    <p:cond delay="0"/>
+                                  </p:stCondLst>
+                                  <p:childTnLst>
+                                    <p:animMotion origin="layout" path="M 1.94444E-6 0.0169 L 1.94444E-6 2.22222E-6 " pathEditMode="relative" rAng="0" ptsTypes="AA">
+                                      <p:cBhvr>
+                                        <p:cTn id="9" dur="200" fill="hold"/>
+                                        <p:tgtEl>
+                                          <p:spTgt spid="8"/>
+                                        </p:tgtEl>
+                                        <p:attrNameLst>
+                                          <p:attrName>ppt_x</p:attrName>
+                                          <p:attrName>ppt_y</p:attrName>
+                                        </p:attrNameLst>
+                                      </p:cBhvr>
+                                      <p:rCtr x="0" y="-856"/>
+                                    </p:animMotion>
+                                  </p:childTnLst>
+                                </p:cTn>
+                              </p:par>
+                            </p:childTnLst>
+                          </p:cTn>
+                        </p:par>
+                      </p:childTnLst>
+                    </p:cTn>
+                  </p:par>
+                </p:childTnLst>
+              </p:cTn>
+              <p:prevCondLst>
+                <p:cond evt="onPrev" delay="0">
+                  <p:tgtEl>
+                    <p:sldTgt/>
+                  </p:tgtEl>
+                </p:cond>
+              </p:prevCondLst>
+              <p:nextCondLst>
+                <p:cond evt="onNext" delay="0">
+                  <p:tgtEl>
+                    <p:sldTgt/>
+                  </p:tgtEl>
+                </p:cond>
+              </p:nextCondLst>
+            </p:seq>
+          </p:childTnLst>
+        </p:cTn>
+      </p:par>
+    </p:tnLst>
+    <p:bldLst>
+      <p:bldP spid="8" grpId="0"/>
+      <p:bldP spid="8" grpId="1"/>
+    </p:bldLst>
+  </p:timing>
+</p:sld>
+</file>
+
+<file path=ppt/slides/slide9.xml><?xml version="1.0" encoding="utf-8"?>
+<p:sld xmlns:a="http://schemas.openxmlformats.org/drawingml/2006/main" xmlns:r="http://schemas.openxmlformats.org/officeDocument/2006/relationships" xmlns:p="http://schemas.openxmlformats.org/presentationml/2006/main">
+  <p:cSld>
+    <p:spTree>
+      <p:nvGrpSpPr>
+        <p:cNvPr id="1" name=""/>
+        <p:cNvGrpSpPr/>
+        <p:nvPr/>
+      </p:nvGrpSpPr>
+      <p:grpSpPr>
+        <a:xfrm>
+          <a:off x="0" y="0"/>
+          <a:ext cx="0" cy="0"/>
+          <a:chOff x="0" y="0"/>
+          <a:chExt cx="0" cy="0"/>
+        </a:xfrm>
+      </p:grpSpPr>
       <p:sp>
         <p:nvSpPr>
           <p:cNvPr id="2" name="Title 1"/>
@@ -4945,7 +6813,7 @@
           <a:p>
             <a:r>
               <a:rPr lang="en-US" dirty="0"/>
-              <a:t>List out anything else that you think would have made the Gospel story difficult to accept</a:t>
+              <a:t>What other kind of things would have made the Gospel at the time?</a:t>
             </a:r>
           </a:p>
         </p:txBody>

--- a/companion-website/public/files/9. How Not to Start a Religion.pptx
+++ b/companion-website/public/files/9. How Not to Start a Religion.pptx
@@ -5,7 +5,7 @@
     <p:sldMasterId id="2147483648" r:id="rId1"/>
   </p:sldMasterIdLst>
   <p:notesMasterIdLst>
-    <p:notesMasterId r:id="rId11"/>
+    <p:notesMasterId r:id="rId12"/>
   </p:notesMasterIdLst>
   <p:sldIdLst>
     <p:sldId id="275" r:id="rId2"/>
@@ -17,6 +17,7 @@
     <p:sldId id="454" r:id="rId8"/>
     <p:sldId id="456" r:id="rId9"/>
     <p:sldId id="442" r:id="rId10"/>
+    <p:sldId id="457" r:id="rId11"/>
   </p:sldIdLst>
   <p:sldSz cx="9144000" cy="6858000" type="screen4x3"/>
   <p:notesSz cx="6858000" cy="9144000"/>
@@ -216,7 +217,7 @@
           <a:p>
             <a:fld id="{8F7EB338-8BB0-B64B-9F79-C87EA24D723F}" type="datetimeFigureOut">
               <a:rPr lang="en-US" smtClean="0"/>
-              <a:t>11/2/2020</a:t>
+              <a:t>11/2/20</a:t>
             </a:fld>
             <a:endParaRPr lang="en-US"/>
           </a:p>
@@ -667,7 +668,7 @@
             <a:fld id="{DBE77699-C466-4996-ADED-71C8160E04A2}" type="datetimeFigureOut">
               <a:rPr lang="en-US" smtClean="0"/>
               <a:pPr/>
-              <a:t>11/2/2020</a:t>
+              <a:t>11/2/20</a:t>
             </a:fld>
             <a:endParaRPr lang="en-US"/>
           </a:p>
@@ -832,7 +833,7 @@
             <a:fld id="{DBE77699-C466-4996-ADED-71C8160E04A2}" type="datetimeFigureOut">
               <a:rPr lang="en-US" smtClean="0"/>
               <a:pPr/>
-              <a:t>11/2/2020</a:t>
+              <a:t>11/2/20</a:t>
             </a:fld>
             <a:endParaRPr lang="en-US"/>
           </a:p>
@@ -1007,7 +1008,7 @@
             <a:fld id="{DBE77699-C466-4996-ADED-71C8160E04A2}" type="datetimeFigureOut">
               <a:rPr lang="en-US" smtClean="0"/>
               <a:pPr/>
-              <a:t>11/2/2020</a:t>
+              <a:t>11/2/20</a:t>
             </a:fld>
             <a:endParaRPr lang="en-US"/>
           </a:p>
@@ -1126,7 +1127,7 @@
             <a:fld id="{DBE77699-C466-4996-ADED-71C8160E04A2}" type="datetimeFigureOut">
               <a:rPr lang="en-US" smtClean="0"/>
               <a:pPr/>
-              <a:t>11/2/2020</a:t>
+              <a:t>11/2/20</a:t>
             </a:fld>
             <a:endParaRPr lang="en-US"/>
           </a:p>
@@ -1534,7 +1535,7 @@
             <a:fld id="{DBE77699-C466-4996-ADED-71C8160E04A2}" type="datetimeFigureOut">
               <a:rPr lang="en-US" smtClean="0"/>
               <a:pPr/>
-              <a:t>11/2/2020</a:t>
+              <a:t>11/2/20</a:t>
             </a:fld>
             <a:endParaRPr lang="en-US"/>
           </a:p>
@@ -1776,7 +1777,7 @@
             <a:fld id="{DBE77699-C466-4996-ADED-71C8160E04A2}" type="datetimeFigureOut">
               <a:rPr lang="en-US" smtClean="0"/>
               <a:pPr/>
-              <a:t>11/2/2020</a:t>
+              <a:t>11/2/20</a:t>
             </a:fld>
             <a:endParaRPr lang="en-US"/>
           </a:p>
@@ -2058,7 +2059,7 @@
             <a:fld id="{DBE77699-C466-4996-ADED-71C8160E04A2}" type="datetimeFigureOut">
               <a:rPr lang="en-US" smtClean="0"/>
               <a:pPr/>
-              <a:t>11/2/2020</a:t>
+              <a:t>11/2/20</a:t>
             </a:fld>
             <a:endParaRPr lang="en-US"/>
           </a:p>
@@ -2474,7 +2475,7 @@
             <a:fld id="{DBE77699-C466-4996-ADED-71C8160E04A2}" type="datetimeFigureOut">
               <a:rPr lang="en-US" smtClean="0"/>
               <a:pPr/>
-              <a:t>11/2/2020</a:t>
+              <a:t>11/2/20</a:t>
             </a:fld>
             <a:endParaRPr lang="en-US"/>
           </a:p>
@@ -2588,7 +2589,7 @@
             <a:fld id="{DBE77699-C466-4996-ADED-71C8160E04A2}" type="datetimeFigureOut">
               <a:rPr lang="en-US" smtClean="0"/>
               <a:pPr/>
-              <a:t>11/2/2020</a:t>
+              <a:t>11/2/20</a:t>
             </a:fld>
             <a:endParaRPr lang="en-US"/>
           </a:p>
@@ -2680,7 +2681,7 @@
             <a:fld id="{DBE77699-C466-4996-ADED-71C8160E04A2}" type="datetimeFigureOut">
               <a:rPr lang="en-US" smtClean="0"/>
               <a:pPr/>
-              <a:t>11/2/2020</a:t>
+              <a:t>11/2/20</a:t>
             </a:fld>
             <a:endParaRPr lang="en-US"/>
           </a:p>
@@ -2952,7 +2953,7 @@
             <a:fld id="{DBE77699-C466-4996-ADED-71C8160E04A2}" type="datetimeFigureOut">
               <a:rPr lang="en-US" smtClean="0"/>
               <a:pPr/>
-              <a:t>11/2/2020</a:t>
+              <a:t>11/2/20</a:t>
             </a:fld>
             <a:endParaRPr lang="en-US"/>
           </a:p>
@@ -3201,7 +3202,7 @@
             <a:fld id="{DBE77699-C466-4996-ADED-71C8160E04A2}" type="datetimeFigureOut">
               <a:rPr lang="en-US" smtClean="0"/>
               <a:pPr/>
-              <a:t>11/2/2020</a:t>
+              <a:t>11/2/20</a:t>
             </a:fld>
             <a:endParaRPr lang="en-US"/>
           </a:p>
@@ -3412,7 +3413,7 @@
             <a:fld id="{DBE77699-C466-4996-ADED-71C8160E04A2}" type="datetimeFigureOut">
               <a:rPr lang="en-US" smtClean="0"/>
               <a:pPr/>
-              <a:t>11/2/2020</a:t>
+              <a:t>11/2/20</a:t>
             </a:fld>
             <a:endParaRPr lang="en-US"/>
           </a:p>
@@ -4605,6 +4606,695 @@
   <p:clrMapOvr>
     <a:masterClrMapping/>
   </p:clrMapOvr>
+</p:sld>
+</file>
+
+<file path=ppt/slides/slide10.xml><?xml version="1.0" encoding="utf-8"?>
+<p:sld xmlns:a="http://schemas.openxmlformats.org/drawingml/2006/main" xmlns:r="http://schemas.openxmlformats.org/officeDocument/2006/relationships" xmlns:p="http://schemas.openxmlformats.org/presentationml/2006/main">
+  <p:cSld>
+    <p:spTree>
+      <p:nvGrpSpPr>
+        <p:cNvPr id="1" name=""/>
+        <p:cNvGrpSpPr/>
+        <p:nvPr/>
+      </p:nvGrpSpPr>
+      <p:grpSpPr>
+        <a:xfrm>
+          <a:off x="0" y="0"/>
+          <a:ext cx="0" cy="0"/>
+          <a:chOff x="0" y="0"/>
+          <a:chExt cx="0" cy="0"/>
+        </a:xfrm>
+      </p:grpSpPr>
+      <p:pic>
+        <p:nvPicPr>
+          <p:cNvPr id="12" name="Picture 2">
+            <a:extLst>
+              <a:ext uri="{FF2B5EF4-FFF2-40B4-BE49-F238E27FC236}">
+                <a16:creationId xmlns:a16="http://schemas.microsoft.com/office/drawing/2014/main" id="{7F3A231B-5D70-D046-B1D4-165C06312D6D}"/>
+              </a:ext>
+            </a:extLst>
+          </p:cNvPr>
+          <p:cNvPicPr>
+            <a:picLocks noChangeAspect="1" noChangeArrowheads="1"/>
+          </p:cNvPicPr>
+          <p:nvPr/>
+        </p:nvPicPr>
+        <p:blipFill>
+          <a:blip r:embed="rId2">
+            <a:extLst>
+              <a:ext uri="{28A0092B-C50C-407E-A947-70E740481C1C}">
+                <a14:useLocalDpi xmlns:a14="http://schemas.microsoft.com/office/drawing/2010/main" val="0"/>
+              </a:ext>
+            </a:extLst>
+          </a:blip>
+          <a:srcRect l="23337" r="23337"/>
+          <a:stretch/>
+        </p:blipFill>
+        <p:spPr bwMode="auto">
+          <a:xfrm>
+            <a:off x="2642616" y="10"/>
+            <a:ext cx="6501384" cy="6857990"/>
+          </a:xfrm>
+          <a:prstGeom prst="rect">
+            <a:avLst/>
+          </a:prstGeom>
+          <a:noFill/>
+          <a:extLst>
+            <a:ext uri="{909E8E84-426E-40DD-AFC4-6F175D3DCCD1}">
+              <a14:hiddenFill xmlns:a14="http://schemas.microsoft.com/office/drawing/2010/main">
+                <a:solidFill>
+                  <a:srgbClr val="FFFFFF"/>
+                </a:solidFill>
+              </a14:hiddenFill>
+            </a:ext>
+          </a:extLst>
+        </p:spPr>
+      </p:pic>
+      <p:sp>
+        <p:nvSpPr>
+          <p:cNvPr id="2" name="Rectangle 1">
+            <a:extLst>
+              <a:ext uri="{FF2B5EF4-FFF2-40B4-BE49-F238E27FC236}">
+                <a16:creationId xmlns:a16="http://schemas.microsoft.com/office/drawing/2014/main" id="{83930AA5-728D-884D-A826-4D923E871B31}"/>
+              </a:ext>
+            </a:extLst>
+          </p:cNvPr>
+          <p:cNvSpPr/>
+          <p:nvPr/>
+        </p:nvSpPr>
+        <p:spPr>
+          <a:xfrm>
+            <a:off x="0" y="0"/>
+            <a:ext cx="6019800" cy="6858000"/>
+          </a:xfrm>
+          <a:prstGeom prst="rect">
+            <a:avLst/>
+          </a:prstGeom>
+          <a:gradFill flip="none" rotWithShape="1">
+            <a:gsLst>
+              <a:gs pos="24000">
+                <a:srgbClr val="000000"/>
+              </a:gs>
+              <a:gs pos="50000">
+                <a:srgbClr val="000000"/>
+              </a:gs>
+              <a:gs pos="0">
+                <a:schemeClr val="bg1"/>
+              </a:gs>
+              <a:gs pos="100000">
+                <a:schemeClr val="bg1">
+                  <a:alpha val="0"/>
+                </a:schemeClr>
+              </a:gs>
+            </a:gsLst>
+            <a:lin ang="0" scaled="1"/>
+            <a:tileRect/>
+          </a:gradFill>
+          <a:ln>
+            <a:noFill/>
+          </a:ln>
+        </p:spPr>
+        <p:style>
+          <a:lnRef idx="2">
+            <a:schemeClr val="accent1">
+              <a:shade val="50000"/>
+            </a:schemeClr>
+          </a:lnRef>
+          <a:fillRef idx="1">
+            <a:schemeClr val="accent1"/>
+          </a:fillRef>
+          <a:effectRef idx="0">
+            <a:schemeClr val="accent1"/>
+          </a:effectRef>
+          <a:fontRef idx="minor">
+            <a:schemeClr val="lt1"/>
+          </a:fontRef>
+        </p:style>
+        <p:txBody>
+          <a:bodyPr rtlCol="0" anchor="ctr"/>
+          <a:lstStyle/>
+          <a:p>
+            <a:pPr algn="ctr"/>
+            <a:endParaRPr lang="en-US"/>
+          </a:p>
+        </p:txBody>
+      </p:sp>
+      <p:sp>
+        <p:nvSpPr>
+          <p:cNvPr id="5" name="Rectangle 4"/>
+          <p:cNvSpPr/>
+          <p:nvPr/>
+        </p:nvSpPr>
+        <p:spPr>
+          <a:xfrm>
+            <a:off x="381000" y="2819400"/>
+            <a:ext cx="4903487" cy="2246769"/>
+          </a:xfrm>
+          <a:prstGeom prst="rect">
+            <a:avLst/>
+          </a:prstGeom>
+          <a:noFill/>
+          <a:ln>
+            <a:noFill/>
+          </a:ln>
+          <a:effectLst/>
+        </p:spPr>
+        <p:style>
+          <a:lnRef idx="1">
+            <a:schemeClr val="accent1"/>
+          </a:lnRef>
+          <a:fillRef idx="3">
+            <a:schemeClr val="accent1"/>
+          </a:fillRef>
+          <a:effectRef idx="2">
+            <a:schemeClr val="accent1"/>
+          </a:effectRef>
+          <a:fontRef idx="minor">
+            <a:schemeClr val="lt1"/>
+          </a:fontRef>
+        </p:style>
+        <p:txBody>
+          <a:bodyPr rtlCol="0" anchor="ctr"/>
+          <a:lstStyle/>
+          <a:p>
+            <a:endParaRPr lang="en-US" dirty="0"/>
+          </a:p>
+        </p:txBody>
+      </p:sp>
+      <p:sp>
+        <p:nvSpPr>
+          <p:cNvPr id="7" name="Rectangle 6"/>
+          <p:cNvSpPr/>
+          <p:nvPr/>
+        </p:nvSpPr>
+        <p:spPr>
+          <a:xfrm rot="5400000">
+            <a:off x="2326988" y="2914599"/>
+            <a:ext cx="49492" cy="3669094"/>
+          </a:xfrm>
+          <a:prstGeom prst="rect">
+            <a:avLst/>
+          </a:prstGeom>
+          <a:solidFill>
+            <a:srgbClr val="009EC0"/>
+          </a:solidFill>
+          <a:ln>
+            <a:noFill/>
+          </a:ln>
+          <a:effectLst/>
+        </p:spPr>
+        <p:style>
+          <a:lnRef idx="1">
+            <a:schemeClr val="accent1"/>
+          </a:lnRef>
+          <a:fillRef idx="3">
+            <a:schemeClr val="accent1"/>
+          </a:fillRef>
+          <a:effectRef idx="2">
+            <a:schemeClr val="accent1"/>
+          </a:effectRef>
+          <a:fontRef idx="minor">
+            <a:schemeClr val="lt1"/>
+          </a:fontRef>
+        </p:style>
+        <p:txBody>
+          <a:bodyPr rtlCol="0" anchor="ctr"/>
+          <a:lstStyle/>
+          <a:p>
+            <a:pPr algn="ctr"/>
+            <a:endParaRPr lang="en-US"/>
+          </a:p>
+        </p:txBody>
+      </p:sp>
+      <p:sp>
+        <p:nvSpPr>
+          <p:cNvPr id="8" name="TextBox 7"/>
+          <p:cNvSpPr txBox="1"/>
+          <p:nvPr/>
+        </p:nvSpPr>
+        <p:spPr>
+          <a:xfrm>
+            <a:off x="439096" y="1382085"/>
+            <a:ext cx="3747185" cy="1384995"/>
+          </a:xfrm>
+          <a:prstGeom prst="rect">
+            <a:avLst/>
+          </a:prstGeom>
+          <a:noFill/>
+        </p:spPr>
+        <p:txBody>
+          <a:bodyPr wrap="square" rtlCol="0">
+            <a:spAutoFit/>
+          </a:bodyPr>
+          <a:lstStyle/>
+          <a:p>
+            <a:r>
+              <a:rPr lang="en-US" sz="2800" dirty="0"/>
+              <a:t>“Christian Apologists had to argue for their lives.”</a:t>
+            </a:r>
+            <a:endParaRPr lang="en-US" sz="2800" dirty="0">
+              <a:latin typeface="Avenir Book"/>
+              <a:cs typeface="Avenir Book"/>
+            </a:endParaRPr>
+          </a:p>
+        </p:txBody>
+      </p:sp>
+      <p:sp>
+        <p:nvSpPr>
+          <p:cNvPr id="10" name="Rectangle 9"/>
+          <p:cNvSpPr/>
+          <p:nvPr/>
+        </p:nvSpPr>
+        <p:spPr>
+          <a:xfrm>
+            <a:off x="356243" y="5045093"/>
+            <a:ext cx="4952999" cy="1458391"/>
+          </a:xfrm>
+          <a:prstGeom prst="rect">
+            <a:avLst/>
+          </a:prstGeom>
+          <a:noFill/>
+          <a:ln>
+            <a:noFill/>
+          </a:ln>
+        </p:spPr>
+        <p:style>
+          <a:lnRef idx="1">
+            <a:schemeClr val="accent1"/>
+          </a:lnRef>
+          <a:fillRef idx="3">
+            <a:schemeClr val="accent1"/>
+          </a:fillRef>
+          <a:effectRef idx="2">
+            <a:schemeClr val="accent1"/>
+          </a:effectRef>
+          <a:fontRef idx="minor">
+            <a:schemeClr val="lt1"/>
+          </a:fontRef>
+        </p:style>
+        <p:txBody>
+          <a:bodyPr lIns="164592" rtlCol="0" anchor="t"/>
+          <a:lstStyle/>
+          <a:p>
+            <a:r>
+              <a:rPr lang="en-US" sz="2000" b="1" dirty="0">
+                <a:solidFill>
+                  <a:schemeClr val="tx1"/>
+                </a:solidFill>
+              </a:rPr>
+              <a:t>LARRY HURTADO</a:t>
+            </a:r>
+            <a:br>
+              <a:rPr lang="en-US" sz="2000" b="1" dirty="0">
+                <a:solidFill>
+                  <a:schemeClr val="tx1"/>
+                </a:solidFill>
+              </a:rPr>
+            </a:br>
+            <a:r>
+              <a:rPr lang="en-US" sz="2000" i="1" dirty="0">
+                <a:solidFill>
+                  <a:schemeClr val="tx1"/>
+                </a:solidFill>
+              </a:rPr>
+              <a:t>Destroyer of the gods</a:t>
+            </a:r>
+            <a:br>
+              <a:rPr lang="en-US" sz="2000" i="1" dirty="0">
+                <a:solidFill>
+                  <a:schemeClr val="tx1"/>
+                </a:solidFill>
+              </a:rPr>
+            </a:br>
+            <a:endParaRPr lang="en-US" sz="2000" i="1" dirty="0">
+              <a:solidFill>
+                <a:schemeClr val="tx1"/>
+              </a:solidFill>
+            </a:endParaRPr>
+          </a:p>
+        </p:txBody>
+      </p:sp>
+    </p:spTree>
+    <p:extLst>
+      <p:ext uri="{BB962C8B-B14F-4D97-AF65-F5344CB8AC3E}">
+        <p14:creationId xmlns:p14="http://schemas.microsoft.com/office/powerpoint/2010/main" val="2781575629"/>
+      </p:ext>
+    </p:extLst>
+  </p:cSld>
+  <p:clrMapOvr>
+    <a:masterClrMapping/>
+  </p:clrMapOvr>
+  <p:timing>
+    <p:tnLst>
+      <p:par>
+        <p:cTn id="1" dur="indefinite" restart="never" nodeType="tmRoot">
+          <p:childTnLst>
+            <p:seq concurrent="1" nextAc="seek">
+              <p:cTn id="2" dur="indefinite" nodeType="mainSeq">
+                <p:childTnLst>
+                  <p:par>
+                    <p:cTn id="3" fill="hold">
+                      <p:stCondLst>
+                        <p:cond delay="indefinite"/>
+                      </p:stCondLst>
+                      <p:childTnLst>
+                        <p:par>
+                          <p:cTn id="4" fill="hold">
+                            <p:stCondLst>
+                              <p:cond delay="0"/>
+                            </p:stCondLst>
+                            <p:childTnLst>
+                              <p:par>
+                                <p:cTn id="5" presetID="1" presetClass="entr" presetSubtype="0" fill="hold" grpId="0" nodeType="clickEffect">
+                                  <p:stCondLst>
+                                    <p:cond delay="0"/>
+                                  </p:stCondLst>
+                                  <p:childTnLst>
+                                    <p:set>
+                                      <p:cBhvr>
+                                        <p:cTn id="6" dur="1" fill="hold">
+                                          <p:stCondLst>
+                                            <p:cond delay="0"/>
+                                          </p:stCondLst>
+                                        </p:cTn>
+                                        <p:tgtEl>
+                                          <p:spTgt spid="2"/>
+                                        </p:tgtEl>
+                                        <p:attrNameLst>
+                                          <p:attrName>style.visibility</p:attrName>
+                                        </p:attrNameLst>
+                                      </p:cBhvr>
+                                      <p:to>
+                                        <p:strVal val="visible"/>
+                                      </p:to>
+                                    </p:set>
+                                  </p:childTnLst>
+                                </p:cTn>
+                              </p:par>
+                            </p:childTnLst>
+                          </p:cTn>
+                        </p:par>
+                        <p:par>
+                          <p:cTn id="7" fill="hold">
+                            <p:stCondLst>
+                              <p:cond delay="0"/>
+                            </p:stCondLst>
+                            <p:childTnLst>
+                              <p:par>
+                                <p:cTn id="8" presetID="10" presetClass="entr" presetSubtype="0" fill="hold" nodeType="afterEffect">
+                                  <p:stCondLst>
+                                    <p:cond delay="0"/>
+                                  </p:stCondLst>
+                                  <p:childTnLst>
+                                    <p:set>
+                                      <p:cBhvr>
+                                        <p:cTn id="9" dur="1" fill="hold">
+                                          <p:stCondLst>
+                                            <p:cond delay="0"/>
+                                          </p:stCondLst>
+                                        </p:cTn>
+                                        <p:tgtEl>
+                                          <p:spTgt spid="12"/>
+                                        </p:tgtEl>
+                                        <p:attrNameLst>
+                                          <p:attrName>style.visibility</p:attrName>
+                                        </p:attrNameLst>
+                                      </p:cBhvr>
+                                      <p:to>
+                                        <p:strVal val="visible"/>
+                                      </p:to>
+                                    </p:set>
+                                    <p:animEffect transition="in" filter="fade">
+                                      <p:cBhvr>
+                                        <p:cTn id="10" dur="250"/>
+                                        <p:tgtEl>
+                                          <p:spTgt spid="12"/>
+                                        </p:tgtEl>
+                                      </p:cBhvr>
+                                    </p:animEffect>
+                                  </p:childTnLst>
+                                </p:cTn>
+                              </p:par>
+                            </p:childTnLst>
+                          </p:cTn>
+                        </p:par>
+                        <p:par>
+                          <p:cTn id="11" fill="hold">
+                            <p:stCondLst>
+                              <p:cond delay="250"/>
+                            </p:stCondLst>
+                            <p:childTnLst>
+                              <p:par>
+                                <p:cTn id="12" presetID="10" presetClass="entr" presetSubtype="0" fill="hold" grpId="0" nodeType="afterEffect">
+                                  <p:stCondLst>
+                                    <p:cond delay="500"/>
+                                  </p:stCondLst>
+                                  <p:childTnLst>
+                                    <p:set>
+                                      <p:cBhvr>
+                                        <p:cTn id="13" dur="1" fill="hold">
+                                          <p:stCondLst>
+                                            <p:cond delay="0"/>
+                                          </p:stCondLst>
+                                        </p:cTn>
+                                        <p:tgtEl>
+                                          <p:spTgt spid="7"/>
+                                        </p:tgtEl>
+                                        <p:attrNameLst>
+                                          <p:attrName>style.visibility</p:attrName>
+                                        </p:attrNameLst>
+                                      </p:cBhvr>
+                                      <p:to>
+                                        <p:strVal val="visible"/>
+                                      </p:to>
+                                    </p:set>
+                                    <p:animEffect transition="in" filter="fade">
+                                      <p:cBhvr>
+                                        <p:cTn id="14" dur="250"/>
+                                        <p:tgtEl>
+                                          <p:spTgt spid="7"/>
+                                        </p:tgtEl>
+                                      </p:cBhvr>
+                                    </p:animEffect>
+                                  </p:childTnLst>
+                                </p:cTn>
+                              </p:par>
+                              <p:par>
+                                <p:cTn id="15" presetID="1" presetClass="entr" presetSubtype="0" fill="hold" grpId="1" nodeType="withEffect" nodePh="1">
+                                  <p:stCondLst>
+                                    <p:cond delay="0"/>
+                                  </p:stCondLst>
+                                  <p:endCondLst>
+                                    <p:cond evt="begin" delay="0">
+                                      <p:tn val="15"/>
+                                    </p:cond>
+                                  </p:endCondLst>
+                                  <p:childTnLst>
+                                    <p:set>
+                                      <p:cBhvr>
+                                        <p:cTn id="16" dur="1" fill="hold">
+                                          <p:stCondLst>
+                                            <p:cond delay="0"/>
+                                          </p:stCondLst>
+                                        </p:cTn>
+                                        <p:tgtEl>
+                                          <p:spTgt spid="5"/>
+                                        </p:tgtEl>
+                                        <p:attrNameLst>
+                                          <p:attrName>style.visibility</p:attrName>
+                                        </p:attrNameLst>
+                                      </p:cBhvr>
+                                      <p:to>
+                                        <p:strVal val="visible"/>
+                                      </p:to>
+                                    </p:set>
+                                  </p:childTnLst>
+                                </p:cTn>
+                              </p:par>
+                            </p:childTnLst>
+                          </p:cTn>
+                        </p:par>
+                        <p:par>
+                          <p:cTn id="17" fill="hold">
+                            <p:stCondLst>
+                              <p:cond delay="1000"/>
+                            </p:stCondLst>
+                            <p:childTnLst>
+                              <p:par>
+                                <p:cTn id="18" presetID="0" presetClass="path" presetSubtype="0" accel="50000" decel="50000" fill="hold" grpId="0" nodeType="afterEffect" nodePh="1">
+                                  <p:stCondLst>
+                                    <p:cond delay="0"/>
+                                  </p:stCondLst>
+                                  <p:endCondLst>
+                                    <p:cond evt="begin" delay="0">
+                                      <p:tn val="18"/>
+                                    </p:cond>
+                                  </p:endCondLst>
+                                  <p:childTnLst>
+                                    <p:animMotion origin="layout" path="M 0.04236 -7.40741E-7 L -8.33333E-7 -7.40741E-7 " pathEditMode="relative" rAng="0" ptsTypes="AA">
+                                      <p:cBhvr>
+                                        <p:cTn id="19" dur="300" fill="hold"/>
+                                        <p:tgtEl>
+                                          <p:spTgt spid="5"/>
+                                        </p:tgtEl>
+                                        <p:attrNameLst>
+                                          <p:attrName>ppt_x</p:attrName>
+                                          <p:attrName>ppt_y</p:attrName>
+                                        </p:attrNameLst>
+                                      </p:cBhvr>
+                                      <p:rCtr x="-2118" y="0"/>
+                                    </p:animMotion>
+                                  </p:childTnLst>
+                                </p:cTn>
+                              </p:par>
+                            </p:childTnLst>
+                          </p:cTn>
+                        </p:par>
+                        <p:par>
+                          <p:cTn id="20" fill="hold">
+                            <p:stCondLst>
+                              <p:cond delay="1300"/>
+                            </p:stCondLst>
+                            <p:childTnLst>
+                              <p:par>
+                                <p:cTn id="21" presetID="10" presetClass="entr" presetSubtype="0" fill="hold" grpId="0" nodeType="afterEffect">
+                                  <p:stCondLst>
+                                    <p:cond delay="0"/>
+                                  </p:stCondLst>
+                                  <p:childTnLst>
+                                    <p:set>
+                                      <p:cBhvr>
+                                        <p:cTn id="22" dur="1" fill="hold">
+                                          <p:stCondLst>
+                                            <p:cond delay="0"/>
+                                          </p:stCondLst>
+                                        </p:cTn>
+                                        <p:tgtEl>
+                                          <p:spTgt spid="8"/>
+                                        </p:tgtEl>
+                                        <p:attrNameLst>
+                                          <p:attrName>style.visibility</p:attrName>
+                                        </p:attrNameLst>
+                                      </p:cBhvr>
+                                      <p:to>
+                                        <p:strVal val="visible"/>
+                                      </p:to>
+                                    </p:set>
+                                    <p:animEffect transition="in" filter="fade">
+                                      <p:cBhvr>
+                                        <p:cTn id="23" dur="300"/>
+                                        <p:tgtEl>
+                                          <p:spTgt spid="8"/>
+                                        </p:tgtEl>
+                                      </p:cBhvr>
+                                    </p:animEffect>
+                                  </p:childTnLst>
+                                </p:cTn>
+                              </p:par>
+                              <p:par>
+                                <p:cTn id="24" presetID="0" presetClass="path" presetSubtype="0" accel="50000" decel="50000" fill="hold" grpId="1" nodeType="withEffect">
+                                  <p:stCondLst>
+                                    <p:cond delay="0"/>
+                                  </p:stCondLst>
+                                  <p:childTnLst>
+                                    <p:animMotion origin="layout" path="M 1.94444E-6 0.0169 L 1.94444E-6 2.22222E-6 " pathEditMode="relative" rAng="0" ptsTypes="AA">
+                                      <p:cBhvr>
+                                        <p:cTn id="25" dur="200" fill="hold"/>
+                                        <p:tgtEl>
+                                          <p:spTgt spid="8"/>
+                                        </p:tgtEl>
+                                        <p:attrNameLst>
+                                          <p:attrName>ppt_x</p:attrName>
+                                          <p:attrName>ppt_y</p:attrName>
+                                        </p:attrNameLst>
+                                      </p:cBhvr>
+                                      <p:rCtr x="0" y="-856"/>
+                                    </p:animMotion>
+                                  </p:childTnLst>
+                                </p:cTn>
+                              </p:par>
+                            </p:childTnLst>
+                          </p:cTn>
+                        </p:par>
+                        <p:par>
+                          <p:cTn id="26" fill="hold">
+                            <p:stCondLst>
+                              <p:cond delay="1600"/>
+                            </p:stCondLst>
+                            <p:childTnLst>
+                              <p:par>
+                                <p:cTn id="27" presetID="10" presetClass="entr" presetSubtype="0" fill="hold" grpId="0" nodeType="afterEffect">
+                                  <p:stCondLst>
+                                    <p:cond delay="0"/>
+                                  </p:stCondLst>
+                                  <p:childTnLst>
+                                    <p:set>
+                                      <p:cBhvr>
+                                        <p:cTn id="28" dur="1" fill="hold">
+                                          <p:stCondLst>
+                                            <p:cond delay="0"/>
+                                          </p:stCondLst>
+                                        </p:cTn>
+                                        <p:tgtEl>
+                                          <p:spTgt spid="10"/>
+                                        </p:tgtEl>
+                                        <p:attrNameLst>
+                                          <p:attrName>style.visibility</p:attrName>
+                                        </p:attrNameLst>
+                                      </p:cBhvr>
+                                      <p:to>
+                                        <p:strVal val="visible"/>
+                                      </p:to>
+                                    </p:set>
+                                    <p:animEffect transition="in" filter="fade">
+                                      <p:cBhvr>
+                                        <p:cTn id="29" dur="200"/>
+                                        <p:tgtEl>
+                                          <p:spTgt spid="10"/>
+                                        </p:tgtEl>
+                                      </p:cBhvr>
+                                    </p:animEffect>
+                                  </p:childTnLst>
+                                </p:cTn>
+                              </p:par>
+                            </p:childTnLst>
+                          </p:cTn>
+                        </p:par>
+                      </p:childTnLst>
+                    </p:cTn>
+                  </p:par>
+                </p:childTnLst>
+              </p:cTn>
+              <p:prevCondLst>
+                <p:cond evt="onPrev" delay="0">
+                  <p:tgtEl>
+                    <p:sldTgt/>
+                  </p:tgtEl>
+                </p:cond>
+              </p:prevCondLst>
+              <p:nextCondLst>
+                <p:cond evt="onNext" delay="0">
+                  <p:tgtEl>
+                    <p:sldTgt/>
+                  </p:tgtEl>
+                </p:cond>
+              </p:nextCondLst>
+            </p:seq>
+          </p:childTnLst>
+        </p:cTn>
+      </p:par>
+    </p:tnLst>
+    <p:bldLst>
+      <p:bldP spid="2" grpId="0" animBg="1"/>
+      <p:bldP spid="5" grpId="0"/>
+      <p:bldP spid="5" grpId="1"/>
+      <p:bldP spid="7" grpId="0" animBg="1"/>
+      <p:bldP spid="8" grpId="0"/>
+      <p:bldP spid="8" grpId="1"/>
+      <p:bldP spid="10" grpId="0"/>
+    </p:bldLst>
+  </p:timing>
 </p:sld>
 </file>
 
